--- a/FRPSUG-2018-Olivier-Miossec [Enregistrement automatique].pptx
+++ b/FRPSUG-2018-Olivier-Miossec [Enregistrement automatique].pptx
@@ -223,7 +223,7 @@
           <a:p>
             <a:fld id="{FC7FEDF0-DEDA-4C1C-B5AB-91EB31753B95}" type="datetimeFigureOut">
               <a:rPr lang="fr-BE" smtClean="0"/>
-              <a:t>18-11-18</a:t>
+              <a:t>20-11-18</a:t>
             </a:fld>
             <a:endParaRPr lang="fr-BE"/>
           </a:p>
@@ -995,7 +995,7 @@
           <a:p>
             <a:fld id="{C5AB9103-3B9A-41D0-902F-F141ACAC9777}" type="datetimeFigureOut">
               <a:rPr lang="en-CA" smtClean="0"/>
-              <a:t>2018-11-18</a:t>
+              <a:t>2018-11-20</a:t>
             </a:fld>
             <a:endParaRPr lang="en-CA"/>
           </a:p>
@@ -1223,7 +1223,7 @@
           <a:p>
             <a:fld id="{C5AB9103-3B9A-41D0-902F-F141ACAC9777}" type="datetimeFigureOut">
               <a:rPr lang="en-CA" smtClean="0"/>
-              <a:t>2018-11-18</a:t>
+              <a:t>2018-11-20</a:t>
             </a:fld>
             <a:endParaRPr lang="en-CA"/>
           </a:p>
@@ -1403,7 +1403,7 @@
           <a:p>
             <a:fld id="{C5AB9103-3B9A-41D0-902F-F141ACAC9777}" type="datetimeFigureOut">
               <a:rPr lang="en-CA" smtClean="0"/>
-              <a:t>2018-11-18</a:t>
+              <a:t>2018-11-20</a:t>
             </a:fld>
             <a:endParaRPr lang="en-CA"/>
           </a:p>
@@ -1573,7 +1573,7 @@
           <a:p>
             <a:fld id="{C5AB9103-3B9A-41D0-902F-F141ACAC9777}" type="datetimeFigureOut">
               <a:rPr lang="en-CA" smtClean="0"/>
-              <a:t>2018-11-18</a:t>
+              <a:t>2018-11-20</a:t>
             </a:fld>
             <a:endParaRPr lang="en-CA"/>
           </a:p>
@@ -1827,7 +1827,7 @@
           <a:p>
             <a:fld id="{C5AB9103-3B9A-41D0-902F-F141ACAC9777}" type="datetimeFigureOut">
               <a:rPr lang="en-CA" smtClean="0"/>
-              <a:t>2018-11-18</a:t>
+              <a:t>2018-11-20</a:t>
             </a:fld>
             <a:endParaRPr lang="en-CA"/>
           </a:p>
@@ -2153,7 +2153,7 @@
           <a:p>
             <a:fld id="{C5AB9103-3B9A-41D0-902F-F141ACAC9777}" type="datetimeFigureOut">
               <a:rPr lang="en-CA" smtClean="0"/>
-              <a:t>2018-11-18</a:t>
+              <a:t>2018-11-20</a:t>
             </a:fld>
             <a:endParaRPr lang="en-CA"/>
           </a:p>
@@ -2604,7 +2604,7 @@
           <a:p>
             <a:fld id="{C5AB9103-3B9A-41D0-902F-F141ACAC9777}" type="datetimeFigureOut">
               <a:rPr lang="en-CA" smtClean="0"/>
-              <a:t>2018-11-18</a:t>
+              <a:t>2018-11-20</a:t>
             </a:fld>
             <a:endParaRPr lang="en-CA"/>
           </a:p>
@@ -2722,7 +2722,7 @@
           <a:p>
             <a:fld id="{C5AB9103-3B9A-41D0-902F-F141ACAC9777}" type="datetimeFigureOut">
               <a:rPr lang="en-CA" smtClean="0"/>
-              <a:t>2018-11-18</a:t>
+              <a:t>2018-11-20</a:t>
             </a:fld>
             <a:endParaRPr lang="en-CA"/>
           </a:p>
@@ -2817,7 +2817,7 @@
           <a:p>
             <a:fld id="{C5AB9103-3B9A-41D0-902F-F141ACAC9777}" type="datetimeFigureOut">
               <a:rPr lang="en-CA" smtClean="0"/>
-              <a:t>2018-11-18</a:t>
+              <a:t>2018-11-20</a:t>
             </a:fld>
             <a:endParaRPr lang="en-CA"/>
           </a:p>
@@ -3104,7 +3104,7 @@
           <a:p>
             <a:fld id="{C5AB9103-3B9A-41D0-902F-F141ACAC9777}" type="datetimeFigureOut">
               <a:rPr lang="en-CA" smtClean="0"/>
-              <a:t>2018-11-18</a:t>
+              <a:t>2018-11-20</a:t>
             </a:fld>
             <a:endParaRPr lang="en-CA"/>
           </a:p>
@@ -3426,7 +3426,7 @@
           <a:p>
             <a:fld id="{C5AB9103-3B9A-41D0-902F-F141ACAC9777}" type="datetimeFigureOut">
               <a:rPr lang="en-CA" smtClean="0"/>
-              <a:t>2018-11-18</a:t>
+              <a:t>2018-11-20</a:t>
             </a:fld>
             <a:endParaRPr lang="en-CA"/>
           </a:p>
@@ -3680,7 +3680,7 @@
           <a:p>
             <a:fld id="{C5AB9103-3B9A-41D0-902F-F141ACAC9777}" type="datetimeFigureOut">
               <a:rPr lang="en-CA" smtClean="0"/>
-              <a:t>2018-11-18</a:t>
+              <a:t>2018-11-20</a:t>
             </a:fld>
             <a:endParaRPr lang="en-CA"/>
           </a:p>
@@ -5482,7 +5482,7 @@
         <p:spPr>
           <a:xfrm>
             <a:off x="821317" y="2264367"/>
-            <a:ext cx="4446030" cy="3662541"/>
+            <a:ext cx="4446030" cy="3970318"/>
           </a:xfrm>
           <a:prstGeom prst="rect">
             <a:avLst/>
@@ -5542,6 +5542,20 @@
             <a:r>
               <a:rPr lang="fr-FR" sz="1600" dirty="0"/>
               <a:t>Créer un Alias</a:t>
+            </a:r>
+          </a:p>
+          <a:p>
+            <a:r>
+              <a:rPr lang="fr-FR" dirty="0"/>
+              <a:t>[alias("Param","</a:t>
+            </a:r>
+            <a:r>
+              <a:rPr lang="fr-FR" dirty="0" err="1"/>
+              <a:t>TheParam</a:t>
+            </a:r>
+            <a:r>
+              <a:rPr lang="fr-FR" dirty="0"/>
+              <a:t>")]</a:t>
             </a:r>
           </a:p>
           <a:p>

--- a/FRPSUG-2018-Olivier-Miossec [Enregistrement automatique].pptx
+++ b/FRPSUG-2018-Olivier-Miossec [Enregistrement automatique].pptx
@@ -5,7 +5,7 @@
     <p:sldMasterId id="2147483660" r:id="rId1"/>
   </p:sldMasterIdLst>
   <p:notesMasterIdLst>
-    <p:notesMasterId r:id="rId17"/>
+    <p:notesMasterId r:id="rId18"/>
   </p:notesMasterIdLst>
   <p:sldIdLst>
     <p:sldId id="256" r:id="rId2"/>
@@ -21,8 +21,9 @@
     <p:sldId id="315" r:id="rId12"/>
     <p:sldId id="316" r:id="rId13"/>
     <p:sldId id="323" r:id="rId14"/>
-    <p:sldId id="279" r:id="rId15"/>
-    <p:sldId id="308" r:id="rId16"/>
+    <p:sldId id="324" r:id="rId15"/>
+    <p:sldId id="279" r:id="rId16"/>
+    <p:sldId id="308" r:id="rId17"/>
   </p:sldIdLst>
   <p:sldSz cx="12192000" cy="6858000"/>
   <p:notesSz cx="6858000" cy="9144000"/>
@@ -223,7 +224,7 @@
           <a:p>
             <a:fld id="{FC7FEDF0-DEDA-4C1C-B5AB-91EB31753B95}" type="datetimeFigureOut">
               <a:rPr lang="fr-BE" smtClean="0"/>
-              <a:t>20-11-18</a:t>
+              <a:t>21-11-18</a:t>
             </a:fld>
             <a:endParaRPr lang="fr-BE"/>
           </a:p>
@@ -995,7 +996,7 @@
           <a:p>
             <a:fld id="{C5AB9103-3B9A-41D0-902F-F141ACAC9777}" type="datetimeFigureOut">
               <a:rPr lang="en-CA" smtClean="0"/>
-              <a:t>2018-11-20</a:t>
+              <a:t>2018-11-21</a:t>
             </a:fld>
             <a:endParaRPr lang="en-CA"/>
           </a:p>
@@ -1223,7 +1224,7 @@
           <a:p>
             <a:fld id="{C5AB9103-3B9A-41D0-902F-F141ACAC9777}" type="datetimeFigureOut">
               <a:rPr lang="en-CA" smtClean="0"/>
-              <a:t>2018-11-20</a:t>
+              <a:t>2018-11-21</a:t>
             </a:fld>
             <a:endParaRPr lang="en-CA"/>
           </a:p>
@@ -1403,7 +1404,7 @@
           <a:p>
             <a:fld id="{C5AB9103-3B9A-41D0-902F-F141ACAC9777}" type="datetimeFigureOut">
               <a:rPr lang="en-CA" smtClean="0"/>
-              <a:t>2018-11-20</a:t>
+              <a:t>2018-11-21</a:t>
             </a:fld>
             <a:endParaRPr lang="en-CA"/>
           </a:p>
@@ -1573,7 +1574,7 @@
           <a:p>
             <a:fld id="{C5AB9103-3B9A-41D0-902F-F141ACAC9777}" type="datetimeFigureOut">
               <a:rPr lang="en-CA" smtClean="0"/>
-              <a:t>2018-11-20</a:t>
+              <a:t>2018-11-21</a:t>
             </a:fld>
             <a:endParaRPr lang="en-CA"/>
           </a:p>
@@ -1827,7 +1828,7 @@
           <a:p>
             <a:fld id="{C5AB9103-3B9A-41D0-902F-F141ACAC9777}" type="datetimeFigureOut">
               <a:rPr lang="en-CA" smtClean="0"/>
-              <a:t>2018-11-20</a:t>
+              <a:t>2018-11-21</a:t>
             </a:fld>
             <a:endParaRPr lang="en-CA"/>
           </a:p>
@@ -2153,7 +2154,7 @@
           <a:p>
             <a:fld id="{C5AB9103-3B9A-41D0-902F-F141ACAC9777}" type="datetimeFigureOut">
               <a:rPr lang="en-CA" smtClean="0"/>
-              <a:t>2018-11-20</a:t>
+              <a:t>2018-11-21</a:t>
             </a:fld>
             <a:endParaRPr lang="en-CA"/>
           </a:p>
@@ -2604,7 +2605,7 @@
           <a:p>
             <a:fld id="{C5AB9103-3B9A-41D0-902F-F141ACAC9777}" type="datetimeFigureOut">
               <a:rPr lang="en-CA" smtClean="0"/>
-              <a:t>2018-11-20</a:t>
+              <a:t>2018-11-21</a:t>
             </a:fld>
             <a:endParaRPr lang="en-CA"/>
           </a:p>
@@ -2722,7 +2723,7 @@
           <a:p>
             <a:fld id="{C5AB9103-3B9A-41D0-902F-F141ACAC9777}" type="datetimeFigureOut">
               <a:rPr lang="en-CA" smtClean="0"/>
-              <a:t>2018-11-20</a:t>
+              <a:t>2018-11-21</a:t>
             </a:fld>
             <a:endParaRPr lang="en-CA"/>
           </a:p>
@@ -2817,7 +2818,7 @@
           <a:p>
             <a:fld id="{C5AB9103-3B9A-41D0-902F-F141ACAC9777}" type="datetimeFigureOut">
               <a:rPr lang="en-CA" smtClean="0"/>
-              <a:t>2018-11-20</a:t>
+              <a:t>2018-11-21</a:t>
             </a:fld>
             <a:endParaRPr lang="en-CA"/>
           </a:p>
@@ -3104,7 +3105,7 @@
           <a:p>
             <a:fld id="{C5AB9103-3B9A-41D0-902F-F141ACAC9777}" type="datetimeFigureOut">
               <a:rPr lang="en-CA" smtClean="0"/>
-              <a:t>2018-11-20</a:t>
+              <a:t>2018-11-21</a:t>
             </a:fld>
             <a:endParaRPr lang="en-CA"/>
           </a:p>
@@ -3426,7 +3427,7 @@
           <a:p>
             <a:fld id="{C5AB9103-3B9A-41D0-902F-F141ACAC9777}" type="datetimeFigureOut">
               <a:rPr lang="en-CA" smtClean="0"/>
-              <a:t>2018-11-20</a:t>
+              <a:t>2018-11-21</a:t>
             </a:fld>
             <a:endParaRPr lang="en-CA"/>
           </a:p>
@@ -3680,7 +3681,7 @@
           <a:p>
             <a:fld id="{C5AB9103-3B9A-41D0-902F-F141ACAC9777}" type="datetimeFigureOut">
               <a:rPr lang="en-CA" smtClean="0"/>
-              <a:t>2018-11-20</a:t>
+              <a:t>2018-11-21</a:t>
             </a:fld>
             <a:endParaRPr lang="en-CA"/>
           </a:p>
@@ -4975,8 +4976,8 @@
         </p:nvSpPr>
         <p:spPr>
           <a:xfrm>
-            <a:off x="821317" y="2261463"/>
-            <a:ext cx="4648656" cy="3920422"/>
+            <a:off x="821317" y="2261462"/>
+            <a:ext cx="4648656" cy="4260107"/>
           </a:xfrm>
           <a:prstGeom prst="rect">
             <a:avLst/>
@@ -5152,7 +5153,7 @@
         <p:spPr>
           <a:xfrm>
             <a:off x="6132502" y="2261463"/>
-            <a:ext cx="4648656" cy="3920422"/>
+            <a:ext cx="4648656" cy="4260106"/>
           </a:xfrm>
           <a:prstGeom prst="rect">
             <a:avLst/>
@@ -5328,7 +5329,7 @@
         <p:spPr>
           <a:xfrm>
             <a:off x="6132502" y="2261463"/>
-            <a:ext cx="4446030" cy="3662541"/>
+            <a:ext cx="4446030" cy="3108543"/>
           </a:xfrm>
           <a:prstGeom prst="rect">
             <a:avLst/>
@@ -5459,12 +5460,6 @@
           <a:p>
             <a:endParaRPr lang="fr-FR" dirty="0"/>
           </a:p>
-          <a:p>
-            <a:endParaRPr lang="fr-FR" dirty="0"/>
-          </a:p>
-          <a:p>
-            <a:endParaRPr lang="fr-FR" dirty="0"/>
-          </a:p>
         </p:txBody>
       </p:sp>
       <p:sp>
@@ -5482,7 +5477,7 @@
         <p:spPr>
           <a:xfrm>
             <a:off x="821317" y="2264367"/>
-            <a:ext cx="4446030" cy="3970318"/>
+            <a:ext cx="4446030" cy="5047536"/>
           </a:xfrm>
           <a:prstGeom prst="rect">
             <a:avLst/>
@@ -5562,9 +5557,6 @@
             <a:endParaRPr lang="fr-FR" sz="1600" dirty="0"/>
           </a:p>
           <a:p>
-            <a:endParaRPr lang="fr-FR" sz="1600" dirty="0"/>
-          </a:p>
-          <a:p>
             <a:r>
               <a:rPr lang="fr-FR" sz="1600" dirty="0"/>
               <a:t>Pipeline</a:t>
@@ -5614,6 +5606,49 @@
             <a:r>
               <a:rPr lang="fr-FR" sz="1600" dirty="0"/>
               <a:t> (Get-Date)})]</a:t>
+            </a:r>
+          </a:p>
+          <a:p>
+            <a:endParaRPr lang="fr-FR" dirty="0"/>
+          </a:p>
+          <a:p>
+            <a:r>
+              <a:rPr lang="fr-FR" sz="1600" dirty="0"/>
+              <a:t>Les switch</a:t>
+            </a:r>
+            <a:br>
+              <a:rPr lang="fr-FR" sz="1600" dirty="0"/>
+            </a:br>
+            <a:r>
+              <a:rPr lang="fr-FR" sz="1600" dirty="0"/>
+              <a:t>[switch]$</a:t>
+            </a:r>
+            <a:r>
+              <a:rPr lang="fr-FR" sz="1600" dirty="0" err="1"/>
+              <a:t>MyParam</a:t>
+            </a:r>
+            <a:endParaRPr lang="fr-FR" sz="1600" dirty="0"/>
+          </a:p>
+          <a:p>
+            <a:r>
+              <a:rPr lang="fr-FR" dirty="0"/>
+              <a:t>$</a:t>
+            </a:r>
+            <a:r>
+              <a:rPr lang="fr-FR" dirty="0" err="1"/>
+              <a:t>MyParam</a:t>
+            </a:r>
+            <a:r>
+              <a:rPr lang="fr-FR" dirty="0"/>
+              <a:t> est à </a:t>
+            </a:r>
+            <a:r>
+              <a:rPr lang="fr-FR" dirty="0" err="1"/>
+              <a:t>true</a:t>
+            </a:r>
+            <a:r>
+              <a:rPr lang="fr-FR" dirty="0"/>
+              <a:t> si le switch est activé</a:t>
             </a:r>
           </a:p>
           <a:p>
@@ -5671,7 +5706,7 @@
         </p:nvSpPr>
         <p:spPr>
           <a:xfrm>
-            <a:off x="821318" y="1002007"/>
+            <a:off x="821318" y="1582858"/>
             <a:ext cx="4648656" cy="3920422"/>
           </a:xfrm>
           <a:prstGeom prst="rect">
@@ -6074,7 +6109,7 @@
         </p:nvSpPr>
         <p:spPr>
           <a:xfrm>
-            <a:off x="6132502" y="1002007"/>
+            <a:off x="6132502" y="1582858"/>
             <a:ext cx="4648656" cy="3920422"/>
           </a:xfrm>
           <a:prstGeom prst="rect">
@@ -6238,177 +6273,426 @@
       </p:sp>
       <p:sp>
         <p:nvSpPr>
-          <p:cNvPr id="17" name="Rectangle 16">
+          <p:cNvPr id="2" name="ZoneTexte 1">
             <a:extLst>
               <a:ext uri="{FF2B5EF4-FFF2-40B4-BE49-F238E27FC236}">
-                <a16:creationId xmlns:a16="http://schemas.microsoft.com/office/drawing/2014/main" id="{DF1E55D5-979F-4905-9750-217C25D6CD7B}"/>
+                <a16:creationId xmlns:a16="http://schemas.microsoft.com/office/drawing/2014/main" id="{3B103B50-170A-468B-A561-DD150077185B}"/>
               </a:ext>
             </a:extLst>
           </p:cNvPr>
-          <p:cNvSpPr/>
+          <p:cNvSpPr txBox="1"/>
           <p:nvPr/>
         </p:nvSpPr>
         <p:spPr>
           <a:xfrm>
-            <a:off x="821318" y="5122512"/>
-            <a:ext cx="9959840" cy="1503693"/>
+            <a:off x="874143" y="1667779"/>
+            <a:ext cx="4474234" cy="3816429"/>
           </a:xfrm>
           <a:prstGeom prst="rect">
             <a:avLst/>
           </a:prstGeom>
           <a:noFill/>
-          <a:ln cmpd="sng">
-            <a:solidFill>
-              <a:schemeClr val="accent2"/>
-            </a:solidFill>
-            <a:prstDash val="sysDot"/>
-          </a:ln>
         </p:spPr>
-        <p:style>
-          <a:lnRef idx="2">
-            <a:schemeClr val="accent1">
-              <a:shade val="50000"/>
-            </a:schemeClr>
-          </a:lnRef>
-          <a:fillRef idx="1">
-            <a:schemeClr val="accent1"/>
-          </a:fillRef>
-          <a:effectRef idx="0">
-            <a:schemeClr val="accent1"/>
-          </a:effectRef>
-          <a:fontRef idx="minor">
-            <a:schemeClr val="lt1"/>
-          </a:fontRef>
-        </p:style>
         <p:txBody>
-          <a:bodyPr rtlCol="0" anchor="ctr"/>
-          <a:lstStyle>
-            <a:defPPr>
-              <a:defRPr lang="fr-FR"/>
-            </a:defPPr>
-            <a:lvl1pPr marL="0" algn="l" defTabSz="914400" rtl="0" eaLnBrk="1" latinLnBrk="0" hangingPunct="1">
-              <a:defRPr sz="1800" kern="1200">
-                <a:solidFill>
-                  <a:schemeClr val="lt1"/>
-                </a:solidFill>
-                <a:latin typeface="+mn-lt"/>
-                <a:ea typeface="+mn-ea"/>
-                <a:cs typeface="+mn-cs"/>
-              </a:defRPr>
-            </a:lvl1pPr>
-            <a:lvl2pPr marL="457200" algn="l" defTabSz="914400" rtl="0" eaLnBrk="1" latinLnBrk="0" hangingPunct="1">
-              <a:defRPr sz="1800" kern="1200">
-                <a:solidFill>
-                  <a:schemeClr val="lt1"/>
-                </a:solidFill>
-                <a:latin typeface="+mn-lt"/>
-                <a:ea typeface="+mn-ea"/>
-                <a:cs typeface="+mn-cs"/>
-              </a:defRPr>
-            </a:lvl2pPr>
-            <a:lvl3pPr marL="914400" algn="l" defTabSz="914400" rtl="0" eaLnBrk="1" latinLnBrk="0" hangingPunct="1">
-              <a:defRPr sz="1800" kern="1200">
-                <a:solidFill>
-                  <a:schemeClr val="lt1"/>
-                </a:solidFill>
-                <a:latin typeface="+mn-lt"/>
-                <a:ea typeface="+mn-ea"/>
-                <a:cs typeface="+mn-cs"/>
-              </a:defRPr>
-            </a:lvl3pPr>
-            <a:lvl4pPr marL="1371600" algn="l" defTabSz="914400" rtl="0" eaLnBrk="1" latinLnBrk="0" hangingPunct="1">
-              <a:defRPr sz="1800" kern="1200">
-                <a:solidFill>
-                  <a:schemeClr val="lt1"/>
-                </a:solidFill>
-                <a:latin typeface="+mn-lt"/>
-                <a:ea typeface="+mn-ea"/>
-                <a:cs typeface="+mn-cs"/>
-              </a:defRPr>
-            </a:lvl4pPr>
-            <a:lvl5pPr marL="1828800" algn="l" defTabSz="914400" rtl="0" eaLnBrk="1" latinLnBrk="0" hangingPunct="1">
-              <a:defRPr sz="1800" kern="1200">
-                <a:solidFill>
-                  <a:schemeClr val="lt1"/>
-                </a:solidFill>
-                <a:latin typeface="+mn-lt"/>
-                <a:ea typeface="+mn-ea"/>
-                <a:cs typeface="+mn-cs"/>
-              </a:defRPr>
-            </a:lvl5pPr>
-            <a:lvl6pPr marL="2286000" algn="l" defTabSz="914400" rtl="0" eaLnBrk="1" latinLnBrk="0" hangingPunct="1">
-              <a:defRPr sz="1800" kern="1200">
-                <a:solidFill>
-                  <a:schemeClr val="lt1"/>
-                </a:solidFill>
-                <a:latin typeface="+mn-lt"/>
-                <a:ea typeface="+mn-ea"/>
-                <a:cs typeface="+mn-cs"/>
-              </a:defRPr>
-            </a:lvl6pPr>
-            <a:lvl7pPr marL="2743200" algn="l" defTabSz="914400" rtl="0" eaLnBrk="1" latinLnBrk="0" hangingPunct="1">
-              <a:defRPr sz="1800" kern="1200">
-                <a:solidFill>
-                  <a:schemeClr val="lt1"/>
-                </a:solidFill>
-                <a:latin typeface="+mn-lt"/>
-                <a:ea typeface="+mn-ea"/>
-                <a:cs typeface="+mn-cs"/>
-              </a:defRPr>
-            </a:lvl7pPr>
-            <a:lvl8pPr marL="3200400" algn="l" defTabSz="914400" rtl="0" eaLnBrk="1" latinLnBrk="0" hangingPunct="1">
-              <a:defRPr sz="1800" kern="1200">
-                <a:solidFill>
-                  <a:schemeClr val="lt1"/>
-                </a:solidFill>
-                <a:latin typeface="+mn-lt"/>
-                <a:ea typeface="+mn-ea"/>
-                <a:cs typeface="+mn-cs"/>
-              </a:defRPr>
-            </a:lvl8pPr>
-            <a:lvl9pPr marL="3657600" algn="l" defTabSz="914400" rtl="0" eaLnBrk="1" latinLnBrk="0" hangingPunct="1">
-              <a:defRPr sz="1800" kern="1200">
-                <a:solidFill>
-                  <a:schemeClr val="lt1"/>
-                </a:solidFill>
-                <a:latin typeface="+mn-lt"/>
-                <a:ea typeface="+mn-ea"/>
-                <a:cs typeface="+mn-cs"/>
-              </a:defRPr>
-            </a:lvl9pPr>
-          </a:lstStyle>
-          <a:p>
-            <a:pPr marL="0" marR="0" lvl="0" indent="0" algn="ctr" defTabSz="914400" rtl="0" eaLnBrk="1" fontAlgn="auto" latinLnBrk="0" hangingPunct="1">
-              <a:lnSpc>
-                <a:spcPct val="100000"/>
-              </a:lnSpc>
-              <a:spcBef>
-                <a:spcPts val="0"/>
-              </a:spcBef>
-              <a:spcAft>
-                <a:spcPts val="0"/>
-              </a:spcAft>
-              <a:buClrTx/>
-              <a:buSzTx/>
-              <a:buFontTx/>
-              <a:buNone/>
-              <a:tabLst/>
-              <a:defRPr/>
-            </a:pPr>
-            <a:endParaRPr kumimoji="0" lang="fr-FR" sz="1800" b="0" i="0" u="none" strike="noStrike" kern="1200" cap="none" spc="0" normalizeH="0" baseline="0" noProof="0">
-              <a:ln>
-                <a:noFill/>
-              </a:ln>
+          <a:bodyPr wrap="square" rtlCol="0">
+            <a:spAutoFit/>
+          </a:bodyPr>
+          <a:lstStyle/>
+          <a:p>
+            <a:r>
+              <a:rPr lang="fr-FR" sz="1600" dirty="0"/>
+              <a:t>Le Pipeline est une façons de passer les objets d’une commande à une autre.</a:t>
+            </a:r>
+          </a:p>
+          <a:p>
+            <a:endParaRPr lang="fr-FR" sz="1600" dirty="0"/>
+          </a:p>
+          <a:p>
+            <a:r>
+              <a:rPr lang="fr-FR" sz="1600" dirty="0"/>
+              <a:t>Il est possible de contrôler la gestion du pipeline dans une fonction. </a:t>
+            </a:r>
+          </a:p>
+          <a:p>
+            <a:endParaRPr lang="fr-FR" sz="1600" dirty="0"/>
+          </a:p>
+          <a:p>
+            <a:r>
+              <a:rPr lang="nn-NO" sz="1600" dirty="0">
+                <a:solidFill>
+                  <a:srgbClr val="D4D4D4"/>
+                </a:solidFill>
+                <a:latin typeface="Consolas" panose="020B0609020204030204" pitchFamily="49" charset="0"/>
+              </a:rPr>
+              <a:t>[</a:t>
+            </a:r>
+            <a:r>
+              <a:rPr lang="nn-NO" sz="1600" dirty="0">
+                <a:solidFill>
+                  <a:srgbClr val="DCDCAA"/>
+                </a:solidFill>
+                <a:latin typeface="Consolas" panose="020B0609020204030204" pitchFamily="49" charset="0"/>
+              </a:rPr>
+              <a:t>Parameter</a:t>
+            </a:r>
+            <a:r>
+              <a:rPr lang="nn-NO" sz="1600" dirty="0">
+                <a:solidFill>
+                  <a:srgbClr val="D4D4D4"/>
+                </a:solidFill>
+                <a:latin typeface="Consolas" panose="020B0609020204030204" pitchFamily="49" charset="0"/>
+              </a:rPr>
+              <a:t>(</a:t>
+            </a:r>
+            <a:r>
+              <a:rPr lang="nn-NO" sz="1600" dirty="0">
+                <a:solidFill>
+                  <a:srgbClr val="9CDCFE"/>
+                </a:solidFill>
+                <a:latin typeface="Consolas" panose="020B0609020204030204" pitchFamily="49" charset="0"/>
+              </a:rPr>
+              <a:t>ValueFrompipeline</a:t>
+            </a:r>
+            <a:r>
+              <a:rPr lang="nn-NO" sz="1600" dirty="0">
+                <a:solidFill>
+                  <a:srgbClr val="D4D4D4"/>
+                </a:solidFill>
+                <a:latin typeface="Consolas" panose="020B0609020204030204" pitchFamily="49" charset="0"/>
+              </a:rPr>
+              <a:t> = </a:t>
+            </a:r>
+            <a:r>
+              <a:rPr lang="nn-NO" sz="1600" dirty="0">
+                <a:solidFill>
+                  <a:srgbClr val="569CD6"/>
+                </a:solidFill>
+                <a:latin typeface="Consolas" panose="020B0609020204030204" pitchFamily="49" charset="0"/>
+              </a:rPr>
+              <a:t>$true</a:t>
+            </a:r>
+            <a:r>
+              <a:rPr lang="nn-NO" sz="1600" dirty="0">
+                <a:solidFill>
+                  <a:srgbClr val="D4D4D4"/>
+                </a:solidFill>
+                <a:latin typeface="Consolas" panose="020B0609020204030204" pitchFamily="49" charset="0"/>
+              </a:rPr>
+              <a:t>)]</a:t>
+            </a:r>
+          </a:p>
+          <a:p>
+            <a:r>
+              <a:rPr lang="nn-NO" sz="1600" dirty="0">
+                <a:solidFill>
+                  <a:srgbClr val="D4D4D4"/>
+                </a:solidFill>
+                <a:latin typeface="Consolas" panose="020B0609020204030204" pitchFamily="49" charset="0"/>
+              </a:rPr>
+              <a:t>[</a:t>
+            </a:r>
+            <a:r>
+              <a:rPr lang="nn-NO" sz="1600" dirty="0">
+                <a:solidFill>
+                  <a:srgbClr val="569CD6"/>
+                </a:solidFill>
+                <a:latin typeface="Consolas" panose="020B0609020204030204" pitchFamily="49" charset="0"/>
+              </a:rPr>
+              <a:t>string</a:t>
+            </a:r>
+            <a:r>
+              <a:rPr lang="nn-NO" sz="1600" dirty="0">
+                <a:solidFill>
+                  <a:srgbClr val="D4D4D4"/>
+                </a:solidFill>
+                <a:latin typeface="Consolas" panose="020B0609020204030204" pitchFamily="49" charset="0"/>
+              </a:rPr>
+              <a:t>[]]</a:t>
+            </a:r>
+            <a:r>
+              <a:rPr lang="nn-NO" sz="1600" dirty="0">
+                <a:solidFill>
+                  <a:srgbClr val="9CDCFE"/>
+                </a:solidFill>
+                <a:latin typeface="Consolas" panose="020B0609020204030204" pitchFamily="49" charset="0"/>
+              </a:rPr>
+              <a:t>$MyParam</a:t>
+            </a:r>
+            <a:endParaRPr lang="nn-NO" sz="1600" dirty="0">
               <a:solidFill>
-                <a:srgbClr val="008B6C"/>
+                <a:srgbClr val="D4D4D4"/>
               </a:solidFill>
-              <a:effectLst/>
-              <a:uLnTx/>
-              <a:uFillTx/>
-              <a:latin typeface="Calibri" panose="020F0502020204030204"/>
-              <a:ea typeface="+mn-ea"/>
-              <a:cs typeface="+mn-cs"/>
+              <a:latin typeface="Consolas" panose="020B0609020204030204" pitchFamily="49" charset="0"/>
             </a:endParaRPr>
+          </a:p>
+          <a:p>
+            <a:r>
+              <a:rPr lang="nn-NO" sz="1600" dirty="0">
+                <a:solidFill>
+                  <a:srgbClr val="D4D4D4"/>
+                </a:solidFill>
+                <a:latin typeface="Consolas" panose="020B0609020204030204" pitchFamily="49" charset="0"/>
+              </a:rPr>
+              <a:t>)</a:t>
+            </a:r>
+          </a:p>
+          <a:p>
+            <a:r>
+              <a:rPr lang="fr-FR" sz="1600" dirty="0"/>
+              <a:t>Il </a:t>
+            </a:r>
+            <a:r>
+              <a:rPr lang="fr-FR" sz="1600" dirty="0" err="1"/>
+              <a:t>ValueFromPipeline</a:t>
+            </a:r>
+            <a:r>
+              <a:rPr lang="fr-FR" sz="1600" dirty="0"/>
+              <a:t> permet de capturer </a:t>
+            </a:r>
+            <a:r>
+              <a:rPr lang="fr-FR" sz="1600" dirty="0" err="1"/>
+              <a:t>l’object</a:t>
+            </a:r>
+            <a:r>
+              <a:rPr lang="fr-FR" sz="1600" dirty="0"/>
+              <a:t> dans le paramètre </a:t>
+            </a:r>
+            <a:r>
+              <a:rPr lang="fr-FR" sz="1600" dirty="0" err="1"/>
+              <a:t>MyParam</a:t>
+            </a:r>
+            <a:endParaRPr lang="fr-FR" sz="1600" dirty="0"/>
+          </a:p>
+          <a:p>
+            <a:endParaRPr lang="fr-FR" sz="1600" dirty="0"/>
+          </a:p>
+          <a:p>
+            <a:r>
+              <a:rPr lang="fr-FR" sz="1600" dirty="0"/>
+              <a:t>Un </a:t>
+            </a:r>
+            <a:r>
+              <a:rPr lang="fr-FR" sz="1600" dirty="0" err="1"/>
+              <a:t>array</a:t>
+            </a:r>
+            <a:r>
+              <a:rPr lang="fr-FR" sz="1600" dirty="0"/>
+              <a:t> permet de gerer les cas où il y aurait de multiple objets</a:t>
+            </a:r>
+          </a:p>
+          <a:p>
+            <a:endParaRPr lang="fr-FR" dirty="0"/>
+          </a:p>
+        </p:txBody>
+      </p:sp>
+      <p:sp>
+        <p:nvSpPr>
+          <p:cNvPr id="9" name="ZoneTexte 8">
+            <a:extLst>
+              <a:ext uri="{FF2B5EF4-FFF2-40B4-BE49-F238E27FC236}">
+                <a16:creationId xmlns:a16="http://schemas.microsoft.com/office/drawing/2014/main" id="{94F99724-75D6-4697-B44D-8098FDC4B49A}"/>
+              </a:ext>
+            </a:extLst>
+          </p:cNvPr>
+          <p:cNvSpPr txBox="1"/>
+          <p:nvPr/>
+        </p:nvSpPr>
+        <p:spPr>
+          <a:xfrm>
+            <a:off x="6208367" y="1686851"/>
+            <a:ext cx="4474234" cy="3539430"/>
+          </a:xfrm>
+          <a:prstGeom prst="rect">
+            <a:avLst/>
+          </a:prstGeom>
+          <a:noFill/>
+        </p:spPr>
+        <p:txBody>
+          <a:bodyPr wrap="square" rtlCol="0">
+            <a:spAutoFit/>
+          </a:bodyPr>
+          <a:lstStyle/>
+          <a:p>
+            <a:r>
+              <a:rPr lang="fr-FR" sz="1600" dirty="0"/>
+              <a:t>Si il y a plus d’un argument ou si les objet renvoyé sont multiple. </a:t>
+            </a:r>
+          </a:p>
+          <a:p>
+            <a:r>
+              <a:rPr lang="fr-FR" sz="1600" dirty="0"/>
+              <a:t>On peut gérer la façons dont les objets sont distribués entre les paramètre</a:t>
+            </a:r>
+          </a:p>
+          <a:p>
+            <a:r>
+              <a:rPr lang="fr-FR" sz="1600" dirty="0">
+                <a:solidFill>
+                  <a:srgbClr val="C586C0"/>
+                </a:solidFill>
+                <a:latin typeface="Consolas" panose="020B0609020204030204" pitchFamily="49" charset="0"/>
+              </a:rPr>
+              <a:t>Param</a:t>
+            </a:r>
+            <a:r>
+              <a:rPr lang="fr-FR" sz="1600" dirty="0">
+                <a:solidFill>
+                  <a:srgbClr val="D4D4D4"/>
+                </a:solidFill>
+                <a:latin typeface="Consolas" panose="020B0609020204030204" pitchFamily="49" charset="0"/>
+              </a:rPr>
+              <a:t>(</a:t>
+            </a:r>
+          </a:p>
+          <a:p>
+            <a:r>
+              <a:rPr lang="fr-FR" sz="1600" dirty="0">
+                <a:solidFill>
+                  <a:srgbClr val="D4D4D4"/>
+                </a:solidFill>
+                <a:latin typeface="Consolas" panose="020B0609020204030204" pitchFamily="49" charset="0"/>
+              </a:rPr>
+              <a:t>[</a:t>
+            </a:r>
+            <a:r>
+              <a:rPr lang="fr-FR" sz="1600" dirty="0" err="1">
+                <a:solidFill>
+                  <a:srgbClr val="DCDCAA"/>
+                </a:solidFill>
+                <a:latin typeface="Consolas" panose="020B0609020204030204" pitchFamily="49" charset="0"/>
+              </a:rPr>
+              <a:t>parameter</a:t>
+            </a:r>
+            <a:r>
+              <a:rPr lang="fr-FR" sz="1600" dirty="0">
+                <a:solidFill>
+                  <a:srgbClr val="D4D4D4"/>
+                </a:solidFill>
+                <a:latin typeface="Consolas" panose="020B0609020204030204" pitchFamily="49" charset="0"/>
+              </a:rPr>
+              <a:t>(</a:t>
+            </a:r>
+            <a:r>
+              <a:rPr lang="fr-FR" sz="1600" dirty="0" err="1">
+                <a:solidFill>
+                  <a:srgbClr val="9CDCFE"/>
+                </a:solidFill>
+                <a:latin typeface="Consolas" panose="020B0609020204030204" pitchFamily="49" charset="0"/>
+              </a:rPr>
+              <a:t>ValueFromPipelineByPropertyName</a:t>
+            </a:r>
+            <a:r>
+              <a:rPr lang="fr-FR" sz="1600" dirty="0">
+                <a:solidFill>
+                  <a:srgbClr val="D4D4D4"/>
+                </a:solidFill>
+                <a:latin typeface="Consolas" panose="020B0609020204030204" pitchFamily="49" charset="0"/>
+              </a:rPr>
+              <a:t>=</a:t>
+            </a:r>
+            <a:r>
+              <a:rPr lang="fr-FR" sz="1600" dirty="0">
+                <a:solidFill>
+                  <a:srgbClr val="569CD6"/>
+                </a:solidFill>
+                <a:latin typeface="Consolas" panose="020B0609020204030204" pitchFamily="49" charset="0"/>
+              </a:rPr>
+              <a:t>$</a:t>
+            </a:r>
+            <a:r>
+              <a:rPr lang="fr-FR" sz="1600" dirty="0" err="1">
+                <a:solidFill>
+                  <a:srgbClr val="569CD6"/>
+                </a:solidFill>
+                <a:latin typeface="Consolas" panose="020B0609020204030204" pitchFamily="49" charset="0"/>
+              </a:rPr>
+              <a:t>true</a:t>
+            </a:r>
+            <a:r>
+              <a:rPr lang="fr-FR" sz="1600" dirty="0">
+                <a:solidFill>
+                  <a:srgbClr val="D4D4D4"/>
+                </a:solidFill>
+                <a:latin typeface="Consolas" panose="020B0609020204030204" pitchFamily="49" charset="0"/>
+              </a:rPr>
+              <a:t>)]</a:t>
+            </a:r>
+          </a:p>
+          <a:p>
+            <a:r>
+              <a:rPr lang="fr-FR" sz="1600" dirty="0">
+                <a:solidFill>
+                  <a:srgbClr val="D4D4D4"/>
+                </a:solidFill>
+                <a:latin typeface="Consolas" panose="020B0609020204030204" pitchFamily="49" charset="0"/>
+              </a:rPr>
+              <a:t>[</a:t>
+            </a:r>
+            <a:r>
+              <a:rPr lang="fr-FR" sz="1600" dirty="0">
+                <a:solidFill>
+                  <a:srgbClr val="569CD6"/>
+                </a:solidFill>
+                <a:latin typeface="Consolas" panose="020B0609020204030204" pitchFamily="49" charset="0"/>
+              </a:rPr>
+              <a:t>String</a:t>
+            </a:r>
+            <a:r>
+              <a:rPr lang="fr-FR" sz="1600" dirty="0">
+                <a:solidFill>
+                  <a:srgbClr val="D4D4D4"/>
+                </a:solidFill>
+                <a:latin typeface="Consolas" panose="020B0609020204030204" pitchFamily="49" charset="0"/>
+              </a:rPr>
+              <a:t>[]]</a:t>
+            </a:r>
+          </a:p>
+          <a:p>
+            <a:r>
+              <a:rPr lang="fr-FR" sz="1600" dirty="0">
+                <a:solidFill>
+                  <a:srgbClr val="9CDCFE"/>
+                </a:solidFill>
+                <a:latin typeface="Consolas" panose="020B0609020204030204" pitchFamily="49" charset="0"/>
+              </a:rPr>
+              <a:t>$</a:t>
+            </a:r>
+            <a:r>
+              <a:rPr lang="fr-FR" sz="1600" dirty="0" err="1">
+                <a:solidFill>
+                  <a:srgbClr val="9CDCFE"/>
+                </a:solidFill>
+                <a:latin typeface="Consolas" panose="020B0609020204030204" pitchFamily="49" charset="0"/>
+              </a:rPr>
+              <a:t>MyParam</a:t>
+            </a:r>
+            <a:endParaRPr lang="fr-FR" sz="1600" dirty="0">
+              <a:solidFill>
+                <a:srgbClr val="D4D4D4"/>
+              </a:solidFill>
+              <a:latin typeface="Consolas" panose="020B0609020204030204" pitchFamily="49" charset="0"/>
+            </a:endParaRPr>
+          </a:p>
+          <a:p>
+            <a:r>
+              <a:rPr lang="fr-FR" sz="1600" dirty="0">
+                <a:solidFill>
+                  <a:srgbClr val="D4D4D4"/>
+                </a:solidFill>
+                <a:latin typeface="Consolas" panose="020B0609020204030204" pitchFamily="49" charset="0"/>
+              </a:rPr>
+              <a:t>)</a:t>
+            </a:r>
+          </a:p>
+          <a:p>
+            <a:endParaRPr lang="fr-FR" sz="1600" dirty="0"/>
+          </a:p>
+          <a:p>
+            <a:r>
+              <a:rPr lang="fr-FR" sz="1600" dirty="0"/>
+              <a:t>Pour qu’il soit accepté, il faut que l’objet entrant par le pipeline doit porter le même nom que le param</a:t>
+            </a:r>
+            <a:endParaRPr lang="fr-FR" dirty="0"/>
           </a:p>
         </p:txBody>
       </p:sp>
@@ -6845,6 +7129,632 @@
           </a:p>
         </p:txBody>
       </p:sp>
+      <p:sp>
+        <p:nvSpPr>
+          <p:cNvPr id="2" name="ZoneTexte 1">
+            <a:extLst>
+              <a:ext uri="{FF2B5EF4-FFF2-40B4-BE49-F238E27FC236}">
+                <a16:creationId xmlns:a16="http://schemas.microsoft.com/office/drawing/2014/main" id="{410F8B4D-75D1-42D5-B782-D9A958A6C595}"/>
+              </a:ext>
+            </a:extLst>
+          </p:cNvPr>
+          <p:cNvSpPr txBox="1"/>
+          <p:nvPr/>
+        </p:nvSpPr>
+        <p:spPr>
+          <a:xfrm>
+            <a:off x="920151" y="1104181"/>
+            <a:ext cx="9762450" cy="5170646"/>
+          </a:xfrm>
+          <a:prstGeom prst="rect">
+            <a:avLst/>
+          </a:prstGeom>
+          <a:noFill/>
+        </p:spPr>
+        <p:txBody>
+          <a:bodyPr wrap="square" rtlCol="0">
+            <a:spAutoFit/>
+          </a:bodyPr>
+          <a:lstStyle/>
+          <a:p>
+            <a:r>
+              <a:rPr lang="fr-FR" sz="1600" dirty="0"/>
+              <a:t>Lors de la création d’une fonction il est possible d’avoir besoin de plusieurs paramètres qui peuvent être incompatibles entre eux. </a:t>
+            </a:r>
+          </a:p>
+          <a:p>
+            <a:endParaRPr lang="fr-FR" sz="1600" dirty="0"/>
+          </a:p>
+          <a:p>
+            <a:r>
+              <a:rPr lang="fr-FR" sz="1600" dirty="0"/>
+              <a:t>Par exemple, un </a:t>
+            </a:r>
+            <a:r>
+              <a:rPr lang="fr-FR" sz="1600" dirty="0" err="1"/>
+              <a:t>cmdlet</a:t>
+            </a:r>
+            <a:r>
+              <a:rPr lang="fr-FR" sz="1600" dirty="0"/>
+              <a:t> peut utiliser un mode d’authentification par </a:t>
+            </a:r>
+            <a:r>
+              <a:rPr lang="fr-FR" sz="1600" dirty="0" err="1"/>
+              <a:t>username</a:t>
+            </a:r>
+            <a:r>
+              <a:rPr lang="fr-FR" sz="1600" dirty="0"/>
+              <a:t>/</a:t>
+            </a:r>
+            <a:r>
+              <a:rPr lang="fr-FR" sz="1600" dirty="0" err="1"/>
+              <a:t>password</a:t>
+            </a:r>
+            <a:r>
+              <a:rPr lang="fr-FR" sz="1600" dirty="0"/>
+              <a:t> ou par </a:t>
+            </a:r>
+            <a:r>
+              <a:rPr lang="fr-FR" sz="1600" dirty="0" err="1"/>
+              <a:t>token</a:t>
+            </a:r>
+            <a:endParaRPr lang="fr-FR" sz="1600" dirty="0"/>
+          </a:p>
+          <a:p>
+            <a:endParaRPr lang="fr-FR" sz="1600" dirty="0"/>
+          </a:p>
+          <a:p>
+            <a:r>
+              <a:rPr lang="fr-FR" sz="1600" dirty="0">
+                <a:solidFill>
+                  <a:srgbClr val="D4D4D4"/>
+                </a:solidFill>
+                <a:latin typeface="Consolas" panose="020B0609020204030204" pitchFamily="49" charset="0"/>
+              </a:rPr>
+              <a:t>[</a:t>
+            </a:r>
+            <a:r>
+              <a:rPr lang="fr-FR" sz="1600" dirty="0" err="1">
+                <a:solidFill>
+                  <a:srgbClr val="DCDCAA"/>
+                </a:solidFill>
+                <a:latin typeface="Consolas" panose="020B0609020204030204" pitchFamily="49" charset="0"/>
+              </a:rPr>
+              <a:t>CmdletBinding</a:t>
+            </a:r>
+            <a:r>
+              <a:rPr lang="fr-FR" sz="1600" dirty="0">
+                <a:solidFill>
+                  <a:srgbClr val="D4D4D4"/>
+                </a:solidFill>
+                <a:latin typeface="Consolas" panose="020B0609020204030204" pitchFamily="49" charset="0"/>
+              </a:rPr>
+              <a:t>()]</a:t>
+            </a:r>
+          </a:p>
+          <a:p>
+            <a:r>
+              <a:rPr lang="fr-FR" sz="1600" dirty="0">
+                <a:solidFill>
+                  <a:srgbClr val="C586C0"/>
+                </a:solidFill>
+                <a:latin typeface="Consolas" panose="020B0609020204030204" pitchFamily="49" charset="0"/>
+              </a:rPr>
+              <a:t>Param</a:t>
+            </a:r>
+            <a:r>
+              <a:rPr lang="fr-FR" sz="1600" dirty="0">
+                <a:solidFill>
+                  <a:srgbClr val="D4D4D4"/>
+                </a:solidFill>
+                <a:latin typeface="Consolas" panose="020B0609020204030204" pitchFamily="49" charset="0"/>
+              </a:rPr>
+              <a:t> (</a:t>
+            </a:r>
+          </a:p>
+          <a:p>
+            <a:r>
+              <a:rPr lang="fr-FR" sz="1600" dirty="0">
+                <a:solidFill>
+                  <a:srgbClr val="D4D4D4"/>
+                </a:solidFill>
+                <a:latin typeface="Consolas" panose="020B0609020204030204" pitchFamily="49" charset="0"/>
+              </a:rPr>
+              <a:t>[</a:t>
+            </a:r>
+            <a:r>
+              <a:rPr lang="fr-FR" sz="1600" dirty="0" err="1">
+                <a:solidFill>
+                  <a:srgbClr val="DCDCAA"/>
+                </a:solidFill>
+                <a:latin typeface="Consolas" panose="020B0609020204030204" pitchFamily="49" charset="0"/>
+              </a:rPr>
+              <a:t>Parameter</a:t>
+            </a:r>
+            <a:r>
+              <a:rPr lang="fr-FR" sz="1600" dirty="0">
+                <a:solidFill>
+                  <a:srgbClr val="D4D4D4"/>
+                </a:solidFill>
+                <a:latin typeface="Consolas" panose="020B0609020204030204" pitchFamily="49" charset="0"/>
+              </a:rPr>
+              <a:t>(</a:t>
+            </a:r>
+            <a:r>
+              <a:rPr lang="fr-FR" sz="1600" dirty="0" err="1">
+                <a:solidFill>
+                  <a:srgbClr val="9CDCFE"/>
+                </a:solidFill>
+                <a:latin typeface="Consolas" panose="020B0609020204030204" pitchFamily="49" charset="0"/>
+              </a:rPr>
+              <a:t>ParameterSetName</a:t>
+            </a:r>
+            <a:r>
+              <a:rPr lang="fr-FR" sz="1600" dirty="0">
+                <a:solidFill>
+                  <a:srgbClr val="D4D4D4"/>
+                </a:solidFill>
+                <a:latin typeface="Consolas" panose="020B0609020204030204" pitchFamily="49" charset="0"/>
+              </a:rPr>
+              <a:t> = </a:t>
+            </a:r>
+            <a:r>
+              <a:rPr lang="fr-FR" sz="1600" dirty="0">
+                <a:solidFill>
+                  <a:srgbClr val="CE9178"/>
+                </a:solidFill>
+                <a:latin typeface="Consolas" panose="020B0609020204030204" pitchFamily="49" charset="0"/>
+              </a:rPr>
+              <a:t>'</a:t>
+            </a:r>
+            <a:r>
+              <a:rPr lang="fr-FR" sz="1600" dirty="0" err="1">
+                <a:solidFill>
+                  <a:srgbClr val="CE9178"/>
+                </a:solidFill>
+                <a:latin typeface="Consolas" panose="020B0609020204030204" pitchFamily="49" charset="0"/>
+              </a:rPr>
+              <a:t>ByLogin</a:t>
+            </a:r>
+            <a:r>
+              <a:rPr lang="fr-FR" sz="1600" dirty="0">
+                <a:solidFill>
+                  <a:srgbClr val="CE9178"/>
+                </a:solidFill>
+                <a:latin typeface="Consolas" panose="020B0609020204030204" pitchFamily="49" charset="0"/>
+              </a:rPr>
+              <a:t>'</a:t>
+            </a:r>
+            <a:r>
+              <a:rPr lang="fr-FR" sz="1600" dirty="0">
+                <a:solidFill>
+                  <a:srgbClr val="D4D4D4"/>
+                </a:solidFill>
+                <a:latin typeface="Consolas" panose="020B0609020204030204" pitchFamily="49" charset="0"/>
+              </a:rPr>
+              <a:t>)]</a:t>
+            </a:r>
+          </a:p>
+          <a:p>
+            <a:r>
+              <a:rPr lang="fr-FR" sz="1600" dirty="0">
+                <a:solidFill>
+                  <a:srgbClr val="D4D4D4"/>
+                </a:solidFill>
+                <a:latin typeface="Consolas" panose="020B0609020204030204" pitchFamily="49" charset="0"/>
+              </a:rPr>
+              <a:t>[</a:t>
+            </a:r>
+            <a:r>
+              <a:rPr lang="fr-FR" sz="1600" dirty="0">
+                <a:solidFill>
+                  <a:srgbClr val="569CD6"/>
+                </a:solidFill>
+                <a:latin typeface="Consolas" panose="020B0609020204030204" pitchFamily="49" charset="0"/>
+              </a:rPr>
+              <a:t>string</a:t>
+            </a:r>
+            <a:r>
+              <a:rPr lang="fr-FR" sz="1600" dirty="0">
+                <a:solidFill>
+                  <a:srgbClr val="D4D4D4"/>
+                </a:solidFill>
+                <a:latin typeface="Consolas" panose="020B0609020204030204" pitchFamily="49" charset="0"/>
+              </a:rPr>
+              <a:t>]</a:t>
+            </a:r>
+            <a:r>
+              <a:rPr lang="fr-FR" sz="1600" dirty="0">
+                <a:solidFill>
+                  <a:srgbClr val="9CDCFE"/>
+                </a:solidFill>
+                <a:latin typeface="Consolas" panose="020B0609020204030204" pitchFamily="49" charset="0"/>
+              </a:rPr>
+              <a:t>$</a:t>
+            </a:r>
+            <a:r>
+              <a:rPr lang="fr-FR" sz="1600" dirty="0" err="1">
+                <a:solidFill>
+                  <a:srgbClr val="9CDCFE"/>
+                </a:solidFill>
+                <a:latin typeface="Consolas" panose="020B0609020204030204" pitchFamily="49" charset="0"/>
+              </a:rPr>
+              <a:t>Username</a:t>
+            </a:r>
+            <a:r>
+              <a:rPr lang="fr-FR" sz="1600" dirty="0">
+                <a:solidFill>
+                  <a:srgbClr val="D4D4D4"/>
+                </a:solidFill>
+                <a:latin typeface="Consolas" panose="020B0609020204030204" pitchFamily="49" charset="0"/>
+              </a:rPr>
+              <a:t>,</a:t>
+            </a:r>
+          </a:p>
+          <a:p>
+            <a:r>
+              <a:rPr lang="fr-FR" sz="1600" dirty="0">
+                <a:solidFill>
+                  <a:srgbClr val="D4D4D4"/>
+                </a:solidFill>
+                <a:latin typeface="Consolas" panose="020B0609020204030204" pitchFamily="49" charset="0"/>
+              </a:rPr>
+              <a:t>[</a:t>
+            </a:r>
+            <a:r>
+              <a:rPr lang="fr-FR" sz="1600" dirty="0" err="1">
+                <a:solidFill>
+                  <a:srgbClr val="DCDCAA"/>
+                </a:solidFill>
+                <a:latin typeface="Consolas" panose="020B0609020204030204" pitchFamily="49" charset="0"/>
+              </a:rPr>
+              <a:t>Parameter</a:t>
+            </a:r>
+            <a:r>
+              <a:rPr lang="fr-FR" sz="1600" dirty="0">
+                <a:solidFill>
+                  <a:srgbClr val="D4D4D4"/>
+                </a:solidFill>
+                <a:latin typeface="Consolas" panose="020B0609020204030204" pitchFamily="49" charset="0"/>
+              </a:rPr>
+              <a:t>(</a:t>
+            </a:r>
+            <a:r>
+              <a:rPr lang="fr-FR" sz="1600" dirty="0" err="1">
+                <a:solidFill>
+                  <a:srgbClr val="9CDCFE"/>
+                </a:solidFill>
+                <a:latin typeface="Consolas" panose="020B0609020204030204" pitchFamily="49" charset="0"/>
+              </a:rPr>
+              <a:t>ParameterSetName</a:t>
+            </a:r>
+            <a:r>
+              <a:rPr lang="fr-FR" sz="1600" dirty="0">
+                <a:solidFill>
+                  <a:srgbClr val="D4D4D4"/>
+                </a:solidFill>
+                <a:latin typeface="Consolas" panose="020B0609020204030204" pitchFamily="49" charset="0"/>
+              </a:rPr>
+              <a:t> = </a:t>
+            </a:r>
+            <a:r>
+              <a:rPr lang="fr-FR" sz="1600" dirty="0">
+                <a:solidFill>
+                  <a:srgbClr val="CE9178"/>
+                </a:solidFill>
+                <a:latin typeface="Consolas" panose="020B0609020204030204" pitchFamily="49" charset="0"/>
+              </a:rPr>
+              <a:t>'</a:t>
+            </a:r>
+            <a:r>
+              <a:rPr lang="fr-FR" sz="1600" dirty="0" err="1">
+                <a:solidFill>
+                  <a:srgbClr val="CE9178"/>
+                </a:solidFill>
+                <a:latin typeface="Consolas" panose="020B0609020204030204" pitchFamily="49" charset="0"/>
+              </a:rPr>
+              <a:t>ByLogin</a:t>
+            </a:r>
+            <a:r>
+              <a:rPr lang="fr-FR" sz="1600" dirty="0">
+                <a:solidFill>
+                  <a:srgbClr val="CE9178"/>
+                </a:solidFill>
+                <a:latin typeface="Consolas" panose="020B0609020204030204" pitchFamily="49" charset="0"/>
+              </a:rPr>
+              <a:t>'</a:t>
+            </a:r>
+            <a:r>
+              <a:rPr lang="fr-FR" sz="1600" dirty="0">
+                <a:solidFill>
+                  <a:srgbClr val="D4D4D4"/>
+                </a:solidFill>
+                <a:latin typeface="Consolas" panose="020B0609020204030204" pitchFamily="49" charset="0"/>
+              </a:rPr>
+              <a:t>)]</a:t>
+            </a:r>
+          </a:p>
+          <a:p>
+            <a:r>
+              <a:rPr lang="fr-FR" sz="1600" dirty="0">
+                <a:solidFill>
+                  <a:srgbClr val="D4D4D4"/>
+                </a:solidFill>
+                <a:latin typeface="Consolas" panose="020B0609020204030204" pitchFamily="49" charset="0"/>
+              </a:rPr>
+              <a:t>[</a:t>
+            </a:r>
+            <a:r>
+              <a:rPr lang="fr-FR" sz="1600" dirty="0" err="1">
+                <a:solidFill>
+                  <a:srgbClr val="569CD6"/>
+                </a:solidFill>
+                <a:latin typeface="Consolas" panose="020B0609020204030204" pitchFamily="49" charset="0"/>
+              </a:rPr>
+              <a:t>PSCredential</a:t>
+            </a:r>
+            <a:r>
+              <a:rPr lang="fr-FR" sz="1600" dirty="0">
+                <a:solidFill>
+                  <a:srgbClr val="D4D4D4"/>
+                </a:solidFill>
+                <a:latin typeface="Consolas" panose="020B0609020204030204" pitchFamily="49" charset="0"/>
+              </a:rPr>
+              <a:t>]</a:t>
+            </a:r>
+            <a:r>
+              <a:rPr lang="fr-FR" sz="1600" dirty="0">
+                <a:solidFill>
+                  <a:srgbClr val="9CDCFE"/>
+                </a:solidFill>
+                <a:latin typeface="Consolas" panose="020B0609020204030204" pitchFamily="49" charset="0"/>
+              </a:rPr>
+              <a:t>$</a:t>
+            </a:r>
+            <a:r>
+              <a:rPr lang="fr-FR" sz="1600" dirty="0" err="1">
+                <a:solidFill>
+                  <a:srgbClr val="9CDCFE"/>
+                </a:solidFill>
+                <a:latin typeface="Consolas" panose="020B0609020204030204" pitchFamily="49" charset="0"/>
+              </a:rPr>
+              <a:t>Pass</a:t>
+            </a:r>
+            <a:r>
+              <a:rPr lang="fr-FR" sz="1600" dirty="0">
+                <a:solidFill>
+                  <a:srgbClr val="D4D4D4"/>
+                </a:solidFill>
+                <a:latin typeface="Consolas" panose="020B0609020204030204" pitchFamily="49" charset="0"/>
+              </a:rPr>
+              <a:t>,</a:t>
+            </a:r>
+          </a:p>
+          <a:p>
+            <a:r>
+              <a:rPr lang="fr-FR" sz="1600" dirty="0">
+                <a:solidFill>
+                  <a:srgbClr val="D4D4D4"/>
+                </a:solidFill>
+                <a:latin typeface="Consolas" panose="020B0609020204030204" pitchFamily="49" charset="0"/>
+              </a:rPr>
+              <a:t>[</a:t>
+            </a:r>
+            <a:r>
+              <a:rPr lang="fr-FR" sz="1600" dirty="0" err="1">
+                <a:solidFill>
+                  <a:srgbClr val="DCDCAA"/>
+                </a:solidFill>
+                <a:latin typeface="Consolas" panose="020B0609020204030204" pitchFamily="49" charset="0"/>
+              </a:rPr>
+              <a:t>Parameter</a:t>
+            </a:r>
+            <a:r>
+              <a:rPr lang="fr-FR" sz="1600" dirty="0">
+                <a:solidFill>
+                  <a:srgbClr val="D4D4D4"/>
+                </a:solidFill>
+                <a:latin typeface="Consolas" panose="020B0609020204030204" pitchFamily="49" charset="0"/>
+              </a:rPr>
+              <a:t>(</a:t>
+            </a:r>
+            <a:r>
+              <a:rPr lang="fr-FR" sz="1600" dirty="0" err="1">
+                <a:solidFill>
+                  <a:srgbClr val="9CDCFE"/>
+                </a:solidFill>
+                <a:latin typeface="Consolas" panose="020B0609020204030204" pitchFamily="49" charset="0"/>
+              </a:rPr>
+              <a:t>ParameterSetName</a:t>
+            </a:r>
+            <a:r>
+              <a:rPr lang="fr-FR" sz="1600" dirty="0">
+                <a:solidFill>
+                  <a:srgbClr val="D4D4D4"/>
+                </a:solidFill>
+                <a:latin typeface="Consolas" panose="020B0609020204030204" pitchFamily="49" charset="0"/>
+              </a:rPr>
+              <a:t> = </a:t>
+            </a:r>
+            <a:r>
+              <a:rPr lang="fr-FR" sz="1600" dirty="0">
+                <a:solidFill>
+                  <a:srgbClr val="CE9178"/>
+                </a:solidFill>
+                <a:latin typeface="Consolas" panose="020B0609020204030204" pitchFamily="49" charset="0"/>
+              </a:rPr>
+              <a:t>'</a:t>
+            </a:r>
+            <a:r>
+              <a:rPr lang="fr-FR" sz="1600" dirty="0" err="1">
+                <a:solidFill>
+                  <a:srgbClr val="CE9178"/>
+                </a:solidFill>
+                <a:latin typeface="Consolas" panose="020B0609020204030204" pitchFamily="49" charset="0"/>
+              </a:rPr>
+              <a:t>ByToken</a:t>
+            </a:r>
+            <a:r>
+              <a:rPr lang="fr-FR" sz="1600" dirty="0">
+                <a:solidFill>
+                  <a:srgbClr val="CE9178"/>
+                </a:solidFill>
+                <a:latin typeface="Consolas" panose="020B0609020204030204" pitchFamily="49" charset="0"/>
+              </a:rPr>
+              <a:t>'</a:t>
+            </a:r>
+            <a:r>
+              <a:rPr lang="fr-FR" sz="1600" dirty="0">
+                <a:solidFill>
+                  <a:srgbClr val="D4D4D4"/>
+                </a:solidFill>
+                <a:latin typeface="Consolas" panose="020B0609020204030204" pitchFamily="49" charset="0"/>
+              </a:rPr>
+              <a:t>)]</a:t>
+            </a:r>
+          </a:p>
+          <a:p>
+            <a:r>
+              <a:rPr lang="fr-FR" sz="1600" dirty="0">
+                <a:solidFill>
+                  <a:srgbClr val="D4D4D4"/>
+                </a:solidFill>
+                <a:latin typeface="Consolas" panose="020B0609020204030204" pitchFamily="49" charset="0"/>
+              </a:rPr>
+              <a:t>[</a:t>
+            </a:r>
+            <a:r>
+              <a:rPr lang="fr-FR" sz="1600" dirty="0" err="1">
+                <a:solidFill>
+                  <a:srgbClr val="569CD6"/>
+                </a:solidFill>
+                <a:latin typeface="Consolas" panose="020B0609020204030204" pitchFamily="49" charset="0"/>
+              </a:rPr>
+              <a:t>PSSession</a:t>
+            </a:r>
+            <a:r>
+              <a:rPr lang="fr-FR" sz="1600" dirty="0">
+                <a:solidFill>
+                  <a:srgbClr val="D4D4D4"/>
+                </a:solidFill>
+                <a:latin typeface="Consolas" panose="020B0609020204030204" pitchFamily="49" charset="0"/>
+              </a:rPr>
+              <a:t>]</a:t>
+            </a:r>
+            <a:r>
+              <a:rPr lang="fr-FR" sz="1600" dirty="0">
+                <a:solidFill>
+                  <a:srgbClr val="9CDCFE"/>
+                </a:solidFill>
+                <a:latin typeface="Consolas" panose="020B0609020204030204" pitchFamily="49" charset="0"/>
+              </a:rPr>
+              <a:t>$</a:t>
+            </a:r>
+            <a:r>
+              <a:rPr lang="fr-FR" sz="1600" dirty="0" err="1">
+                <a:solidFill>
+                  <a:srgbClr val="9CDCFE"/>
+                </a:solidFill>
+                <a:latin typeface="Consolas" panose="020B0609020204030204" pitchFamily="49" charset="0"/>
+              </a:rPr>
+              <a:t>Token</a:t>
+            </a:r>
+            <a:endParaRPr lang="fr-FR" sz="1600" dirty="0">
+              <a:solidFill>
+                <a:srgbClr val="D4D4D4"/>
+              </a:solidFill>
+              <a:latin typeface="Consolas" panose="020B0609020204030204" pitchFamily="49" charset="0"/>
+            </a:endParaRPr>
+          </a:p>
+          <a:p>
+            <a:r>
+              <a:rPr lang="fr-FR" sz="1600" dirty="0">
+                <a:solidFill>
+                  <a:srgbClr val="D4D4D4"/>
+                </a:solidFill>
+                <a:latin typeface="Consolas" panose="020B0609020204030204" pitchFamily="49" charset="0"/>
+              </a:rPr>
+              <a:t>)</a:t>
+            </a:r>
+          </a:p>
+          <a:p>
+            <a:endParaRPr lang="fr-FR" dirty="0"/>
+          </a:p>
+          <a:p>
+            <a:r>
+              <a:rPr lang="fr-FR" sz="1600" dirty="0"/>
+              <a:t>Ainsi nous avons deux groupes de paramètres, </a:t>
+            </a:r>
+            <a:r>
+              <a:rPr lang="fr-FR" sz="1600" dirty="0" err="1"/>
+              <a:t>ByToken</a:t>
+            </a:r>
+            <a:r>
+              <a:rPr lang="fr-FR" sz="1600" dirty="0"/>
+              <a:t> et </a:t>
+            </a:r>
+            <a:r>
+              <a:rPr lang="fr-FR" sz="1600" dirty="0" err="1"/>
+              <a:t>ByLogin</a:t>
+            </a:r>
+            <a:endParaRPr lang="fr-FR" sz="1600" dirty="0"/>
+          </a:p>
+          <a:p>
+            <a:endParaRPr lang="fr-FR" sz="1600" dirty="0"/>
+          </a:p>
+          <a:p>
+            <a:r>
+              <a:rPr lang="fr-FR" sz="1600" dirty="0"/>
+              <a:t>On peut tester alors </a:t>
+            </a:r>
+            <a:r>
+              <a:rPr lang="fr-FR" sz="1600" dirty="0">
+                <a:solidFill>
+                  <a:srgbClr val="D4D4D4"/>
+                </a:solidFill>
+                <a:latin typeface="Consolas" panose="020B0609020204030204" pitchFamily="49" charset="0"/>
+              </a:rPr>
+              <a:t>$</a:t>
+            </a:r>
+            <a:r>
+              <a:rPr lang="fr-FR" sz="1600" dirty="0" err="1">
+                <a:solidFill>
+                  <a:srgbClr val="D4D4D4"/>
+                </a:solidFill>
+                <a:latin typeface="Consolas" panose="020B0609020204030204" pitchFamily="49" charset="0"/>
+              </a:rPr>
+              <a:t>PsCmdlet</a:t>
+            </a:r>
+            <a:r>
+              <a:rPr lang="fr-FR" sz="1600" dirty="0" err="1">
+                <a:solidFill>
+                  <a:srgbClr val="9CDCFE"/>
+                </a:solidFill>
+                <a:latin typeface="Consolas" panose="020B0609020204030204" pitchFamily="49" charset="0"/>
+              </a:rPr>
+              <a:t>.ParameterSetName</a:t>
+            </a:r>
+            <a:r>
+              <a:rPr lang="fr-FR" sz="1600" dirty="0">
+                <a:solidFill>
+                  <a:srgbClr val="9CDCFE"/>
+                </a:solidFill>
+                <a:latin typeface="Consolas" panose="020B0609020204030204" pitchFamily="49" charset="0"/>
+              </a:rPr>
+              <a:t> </a:t>
+            </a:r>
+            <a:endParaRPr lang="fr-FR" sz="1600" dirty="0">
+              <a:solidFill>
+                <a:srgbClr val="D4D4D4"/>
+              </a:solidFill>
+              <a:latin typeface="Consolas" panose="020B0609020204030204" pitchFamily="49" charset="0"/>
+            </a:endParaRPr>
+          </a:p>
+          <a:p>
+            <a:endParaRPr lang="fr-FR" dirty="0"/>
+          </a:p>
+        </p:txBody>
+      </p:sp>
     </p:spTree>
     <p:extLst>
       <p:ext uri="{BB962C8B-B14F-4D97-AF65-F5344CB8AC3E}">
@@ -7278,6 +8188,311 @@
           </a:p>
         </p:txBody>
       </p:sp>
+      <p:sp>
+        <p:nvSpPr>
+          <p:cNvPr id="2" name="ZoneTexte 1">
+            <a:extLst>
+              <a:ext uri="{FF2B5EF4-FFF2-40B4-BE49-F238E27FC236}">
+                <a16:creationId xmlns:a16="http://schemas.microsoft.com/office/drawing/2014/main" id="{0AAE51EC-A434-4BF2-9A5A-BD9C12214D3C}"/>
+              </a:ext>
+            </a:extLst>
+          </p:cNvPr>
+          <p:cNvSpPr txBox="1"/>
+          <p:nvPr/>
+        </p:nvSpPr>
+        <p:spPr>
+          <a:xfrm>
+            <a:off x="902898" y="1069675"/>
+            <a:ext cx="9779703" cy="4524315"/>
+          </a:xfrm>
+          <a:prstGeom prst="rect">
+            <a:avLst/>
+          </a:prstGeom>
+          <a:noFill/>
+        </p:spPr>
+        <p:txBody>
+          <a:bodyPr wrap="square" rtlCol="0">
+            <a:spAutoFit/>
+          </a:bodyPr>
+          <a:lstStyle/>
+          <a:p>
+            <a:r>
+              <a:rPr lang="fr-FR" dirty="0"/>
+              <a:t>Nous avons vue que lors de la configuration du </a:t>
+            </a:r>
+            <a:r>
+              <a:rPr lang="fr-FR" dirty="0" err="1"/>
+              <a:t>cmdlet</a:t>
+            </a:r>
+            <a:r>
+              <a:rPr lang="fr-FR" dirty="0"/>
+              <a:t>, il était possible d’activer </a:t>
+            </a:r>
+            <a:r>
+              <a:rPr lang="fr-FR" dirty="0" err="1"/>
+              <a:t>SupportShoulProcess</a:t>
+            </a:r>
+            <a:r>
+              <a:rPr lang="fr-FR" dirty="0"/>
+              <a:t> </a:t>
+            </a:r>
+          </a:p>
+          <a:p>
+            <a:endParaRPr lang="fr-FR" dirty="0"/>
+          </a:p>
+          <a:p>
+            <a:r>
+              <a:rPr lang="fr-FR" dirty="0">
+                <a:solidFill>
+                  <a:srgbClr val="D4D4D4"/>
+                </a:solidFill>
+                <a:latin typeface="Consolas" panose="020B0609020204030204" pitchFamily="49" charset="0"/>
+              </a:rPr>
+              <a:t>[</a:t>
+            </a:r>
+            <a:r>
+              <a:rPr lang="fr-FR" dirty="0" err="1">
+                <a:solidFill>
+                  <a:srgbClr val="DCDCAA"/>
+                </a:solidFill>
+                <a:latin typeface="Consolas" panose="020B0609020204030204" pitchFamily="49" charset="0"/>
+              </a:rPr>
+              <a:t>CmdletBinding</a:t>
+            </a:r>
+            <a:r>
+              <a:rPr lang="fr-FR" dirty="0">
+                <a:solidFill>
+                  <a:srgbClr val="D4D4D4"/>
+                </a:solidFill>
+                <a:latin typeface="Consolas" panose="020B0609020204030204" pitchFamily="49" charset="0"/>
+              </a:rPr>
+              <a:t>(</a:t>
+            </a:r>
+            <a:r>
+              <a:rPr lang="fr-FR" dirty="0" err="1">
+                <a:solidFill>
+                  <a:srgbClr val="9CDCFE"/>
+                </a:solidFill>
+                <a:latin typeface="Consolas" panose="020B0609020204030204" pitchFamily="49" charset="0"/>
+              </a:rPr>
+              <a:t>SupportsShouldProcess</a:t>
+            </a:r>
+            <a:r>
+              <a:rPr lang="fr-FR" dirty="0">
+                <a:solidFill>
+                  <a:srgbClr val="D4D4D4"/>
+                </a:solidFill>
+                <a:latin typeface="Consolas" panose="020B0609020204030204" pitchFamily="49" charset="0"/>
+              </a:rPr>
+              <a:t>=</a:t>
+            </a:r>
+            <a:r>
+              <a:rPr lang="fr-FR" dirty="0">
+                <a:solidFill>
+                  <a:srgbClr val="569CD6"/>
+                </a:solidFill>
+                <a:latin typeface="Consolas" panose="020B0609020204030204" pitchFamily="49" charset="0"/>
+              </a:rPr>
+              <a:t>$</a:t>
+            </a:r>
+            <a:r>
+              <a:rPr lang="fr-FR" dirty="0" err="1">
+                <a:solidFill>
+                  <a:srgbClr val="569CD6"/>
+                </a:solidFill>
+                <a:latin typeface="Consolas" panose="020B0609020204030204" pitchFamily="49" charset="0"/>
+              </a:rPr>
+              <a:t>true</a:t>
+            </a:r>
+            <a:r>
+              <a:rPr lang="fr-FR" dirty="0">
+                <a:solidFill>
+                  <a:srgbClr val="D4D4D4"/>
+                </a:solidFill>
+                <a:latin typeface="Consolas" panose="020B0609020204030204" pitchFamily="49" charset="0"/>
+              </a:rPr>
+              <a:t>)]</a:t>
+            </a:r>
+          </a:p>
+          <a:p>
+            <a:endParaRPr lang="fr-FR" dirty="0"/>
+          </a:p>
+          <a:p>
+            <a:r>
+              <a:rPr lang="fr-FR" dirty="0"/>
+              <a:t>Cela permet d’activer -</a:t>
+            </a:r>
+            <a:r>
+              <a:rPr lang="fr-FR" dirty="0" err="1"/>
+              <a:t>whatif</a:t>
+            </a:r>
+            <a:r>
+              <a:rPr lang="fr-FR" dirty="0"/>
+              <a:t> </a:t>
+            </a:r>
+            <a:br>
+              <a:rPr lang="fr-FR" dirty="0"/>
+            </a:br>
+            <a:br>
+              <a:rPr lang="fr-FR" dirty="0"/>
+            </a:br>
+            <a:r>
+              <a:rPr lang="fr-FR" dirty="0"/>
+              <a:t>Comment gérer le message renvoyer par la commande </a:t>
+            </a:r>
+          </a:p>
+          <a:p>
+            <a:endParaRPr lang="fr-FR" dirty="0"/>
+          </a:p>
+          <a:p>
+            <a:r>
+              <a:rPr lang="en-GB" dirty="0">
+                <a:solidFill>
+                  <a:srgbClr val="C586C0"/>
+                </a:solidFill>
+                <a:latin typeface="Consolas" panose="020B0609020204030204" pitchFamily="49" charset="0"/>
+              </a:rPr>
+              <a:t>if</a:t>
+            </a:r>
+            <a:r>
+              <a:rPr lang="en-GB" dirty="0">
+                <a:solidFill>
+                  <a:srgbClr val="D4D4D4"/>
+                </a:solidFill>
+                <a:latin typeface="Consolas" panose="020B0609020204030204" pitchFamily="49" charset="0"/>
+              </a:rPr>
+              <a:t> ($</a:t>
+            </a:r>
+            <a:r>
+              <a:rPr lang="en-GB" dirty="0" err="1">
+                <a:solidFill>
+                  <a:srgbClr val="D4D4D4"/>
+                </a:solidFill>
+                <a:latin typeface="Consolas" panose="020B0609020204030204" pitchFamily="49" charset="0"/>
+              </a:rPr>
+              <a:t>PSCmdlet</a:t>
+            </a:r>
+            <a:r>
+              <a:rPr lang="en-GB" dirty="0" err="1">
+                <a:solidFill>
+                  <a:srgbClr val="9CDCFE"/>
+                </a:solidFill>
+                <a:latin typeface="Consolas" panose="020B0609020204030204" pitchFamily="49" charset="0"/>
+              </a:rPr>
+              <a:t>.ShouldProcess</a:t>
+            </a:r>
+            <a:r>
+              <a:rPr lang="en-GB" dirty="0">
+                <a:solidFill>
+                  <a:srgbClr val="D4D4D4"/>
+                </a:solidFill>
+                <a:latin typeface="Consolas" panose="020B0609020204030204" pitchFamily="49" charset="0"/>
+              </a:rPr>
+              <a:t>(</a:t>
+            </a:r>
+            <a:r>
+              <a:rPr lang="en-GB" dirty="0">
+                <a:solidFill>
+                  <a:srgbClr val="9CDCFE"/>
+                </a:solidFill>
+                <a:latin typeface="Consolas" panose="020B0609020204030204" pitchFamily="49" charset="0"/>
+              </a:rPr>
+              <a:t>$</a:t>
+            </a:r>
+            <a:r>
+              <a:rPr lang="en-GB" dirty="0" err="1">
+                <a:solidFill>
+                  <a:srgbClr val="9CDCFE"/>
+                </a:solidFill>
+                <a:latin typeface="Consolas" panose="020B0609020204030204" pitchFamily="49" charset="0"/>
+              </a:rPr>
+              <a:t>SomeVar</a:t>
+            </a:r>
+            <a:r>
+              <a:rPr lang="en-GB" dirty="0">
+                <a:solidFill>
+                  <a:srgbClr val="D4D4D4"/>
+                </a:solidFill>
+                <a:latin typeface="Consolas" panose="020B0609020204030204" pitchFamily="49" charset="0"/>
+              </a:rPr>
+              <a:t> , </a:t>
+            </a:r>
+            <a:r>
+              <a:rPr lang="en-GB" dirty="0">
+                <a:solidFill>
+                  <a:srgbClr val="CE9178"/>
+                </a:solidFill>
+                <a:latin typeface="Consolas" panose="020B0609020204030204" pitchFamily="49" charset="0"/>
+              </a:rPr>
+              <a:t>"Approving the Action"</a:t>
+            </a:r>
+            <a:r>
+              <a:rPr lang="en-GB" dirty="0">
+                <a:solidFill>
+                  <a:srgbClr val="D4D4D4"/>
+                </a:solidFill>
+                <a:latin typeface="Consolas" panose="020B0609020204030204" pitchFamily="49" charset="0"/>
+              </a:rPr>
+              <a:t>)) {</a:t>
+            </a:r>
+          </a:p>
+          <a:p>
+            <a:r>
+              <a:rPr lang="en-GB" dirty="0">
+                <a:solidFill>
+                  <a:srgbClr val="6A9955"/>
+                </a:solidFill>
+                <a:latin typeface="Consolas" panose="020B0609020204030204" pitchFamily="49" charset="0"/>
+              </a:rPr>
+              <a:t># DO SOMETHING</a:t>
+            </a:r>
+            <a:endParaRPr lang="en-GB" dirty="0">
+              <a:solidFill>
+                <a:srgbClr val="D4D4D4"/>
+              </a:solidFill>
+              <a:latin typeface="Consolas" panose="020B0609020204030204" pitchFamily="49" charset="0"/>
+            </a:endParaRPr>
+          </a:p>
+          <a:p>
+            <a:br>
+              <a:rPr lang="en-GB" dirty="0">
+                <a:solidFill>
+                  <a:srgbClr val="D4D4D4"/>
+                </a:solidFill>
+                <a:latin typeface="Consolas" panose="020B0609020204030204" pitchFamily="49" charset="0"/>
+              </a:rPr>
+            </a:br>
+            <a:r>
+              <a:rPr lang="en-GB" dirty="0">
+                <a:solidFill>
+                  <a:srgbClr val="D4D4D4"/>
+                </a:solidFill>
+                <a:latin typeface="Consolas" panose="020B0609020204030204" pitchFamily="49" charset="0"/>
+              </a:rPr>
+              <a:t>}</a:t>
+            </a:r>
+          </a:p>
+          <a:p>
+            <a:br>
+              <a:rPr lang="en-GB" dirty="0">
+                <a:solidFill>
+                  <a:srgbClr val="D4D4D4"/>
+                </a:solidFill>
+                <a:latin typeface="Consolas" panose="020B0609020204030204" pitchFamily="49" charset="0"/>
+              </a:rPr>
+            </a:br>
+            <a:endParaRPr lang="en-GB" dirty="0">
+              <a:solidFill>
+                <a:srgbClr val="D4D4D4"/>
+              </a:solidFill>
+              <a:latin typeface="Consolas" panose="020B0609020204030204" pitchFamily="49" charset="0"/>
+            </a:endParaRPr>
+          </a:p>
+          <a:p>
+            <a:endParaRPr lang="fr-FR" dirty="0"/>
+          </a:p>
+        </p:txBody>
+      </p:sp>
     </p:spTree>
     <p:extLst>
       <p:ext uri="{BB962C8B-B14F-4D97-AF65-F5344CB8AC3E}">
@@ -7310,6 +8525,727 @@
       </p:grpSpPr>
       <p:sp>
         <p:nvSpPr>
+          <p:cNvPr id="6" name="Rectangle 5">
+            <a:extLst>
+              <a:ext uri="{FF2B5EF4-FFF2-40B4-BE49-F238E27FC236}">
+                <a16:creationId xmlns:a16="http://schemas.microsoft.com/office/drawing/2014/main" id="{C2C67334-4716-4404-AACA-820908652F89}"/>
+              </a:ext>
+            </a:extLst>
+          </p:cNvPr>
+          <p:cNvSpPr/>
+          <p:nvPr/>
+        </p:nvSpPr>
+        <p:spPr>
+          <a:xfrm>
+            <a:off x="821318" y="1002007"/>
+            <a:ext cx="9959840" cy="5563056"/>
+          </a:xfrm>
+          <a:prstGeom prst="rect">
+            <a:avLst/>
+          </a:prstGeom>
+          <a:noFill/>
+          <a:ln cmpd="sng">
+            <a:solidFill>
+              <a:schemeClr val="accent2"/>
+            </a:solidFill>
+            <a:prstDash val="sysDot"/>
+          </a:ln>
+        </p:spPr>
+        <p:style>
+          <a:lnRef idx="2">
+            <a:schemeClr val="accent1">
+              <a:shade val="50000"/>
+            </a:schemeClr>
+          </a:lnRef>
+          <a:fillRef idx="1">
+            <a:schemeClr val="accent1"/>
+          </a:fillRef>
+          <a:effectRef idx="0">
+            <a:schemeClr val="accent1"/>
+          </a:effectRef>
+          <a:fontRef idx="minor">
+            <a:schemeClr val="lt1"/>
+          </a:fontRef>
+        </p:style>
+        <p:txBody>
+          <a:bodyPr rtlCol="0" anchor="ctr"/>
+          <a:lstStyle>
+            <a:defPPr>
+              <a:defRPr lang="fr-FR"/>
+            </a:defPPr>
+            <a:lvl1pPr marL="0" algn="l" defTabSz="914400" rtl="0" eaLnBrk="1" latinLnBrk="0" hangingPunct="1">
+              <a:defRPr sz="1800" kern="1200">
+                <a:solidFill>
+                  <a:schemeClr val="lt1"/>
+                </a:solidFill>
+                <a:latin typeface="+mn-lt"/>
+                <a:ea typeface="+mn-ea"/>
+                <a:cs typeface="+mn-cs"/>
+              </a:defRPr>
+            </a:lvl1pPr>
+            <a:lvl2pPr marL="457200" algn="l" defTabSz="914400" rtl="0" eaLnBrk="1" latinLnBrk="0" hangingPunct="1">
+              <a:defRPr sz="1800" kern="1200">
+                <a:solidFill>
+                  <a:schemeClr val="lt1"/>
+                </a:solidFill>
+                <a:latin typeface="+mn-lt"/>
+                <a:ea typeface="+mn-ea"/>
+                <a:cs typeface="+mn-cs"/>
+              </a:defRPr>
+            </a:lvl2pPr>
+            <a:lvl3pPr marL="914400" algn="l" defTabSz="914400" rtl="0" eaLnBrk="1" latinLnBrk="0" hangingPunct="1">
+              <a:defRPr sz="1800" kern="1200">
+                <a:solidFill>
+                  <a:schemeClr val="lt1"/>
+                </a:solidFill>
+                <a:latin typeface="+mn-lt"/>
+                <a:ea typeface="+mn-ea"/>
+                <a:cs typeface="+mn-cs"/>
+              </a:defRPr>
+            </a:lvl3pPr>
+            <a:lvl4pPr marL="1371600" algn="l" defTabSz="914400" rtl="0" eaLnBrk="1" latinLnBrk="0" hangingPunct="1">
+              <a:defRPr sz="1800" kern="1200">
+                <a:solidFill>
+                  <a:schemeClr val="lt1"/>
+                </a:solidFill>
+                <a:latin typeface="+mn-lt"/>
+                <a:ea typeface="+mn-ea"/>
+                <a:cs typeface="+mn-cs"/>
+              </a:defRPr>
+            </a:lvl4pPr>
+            <a:lvl5pPr marL="1828800" algn="l" defTabSz="914400" rtl="0" eaLnBrk="1" latinLnBrk="0" hangingPunct="1">
+              <a:defRPr sz="1800" kern="1200">
+                <a:solidFill>
+                  <a:schemeClr val="lt1"/>
+                </a:solidFill>
+                <a:latin typeface="+mn-lt"/>
+                <a:ea typeface="+mn-ea"/>
+                <a:cs typeface="+mn-cs"/>
+              </a:defRPr>
+            </a:lvl5pPr>
+            <a:lvl6pPr marL="2286000" algn="l" defTabSz="914400" rtl="0" eaLnBrk="1" latinLnBrk="0" hangingPunct="1">
+              <a:defRPr sz="1800" kern="1200">
+                <a:solidFill>
+                  <a:schemeClr val="lt1"/>
+                </a:solidFill>
+                <a:latin typeface="+mn-lt"/>
+                <a:ea typeface="+mn-ea"/>
+                <a:cs typeface="+mn-cs"/>
+              </a:defRPr>
+            </a:lvl6pPr>
+            <a:lvl7pPr marL="2743200" algn="l" defTabSz="914400" rtl="0" eaLnBrk="1" latinLnBrk="0" hangingPunct="1">
+              <a:defRPr sz="1800" kern="1200">
+                <a:solidFill>
+                  <a:schemeClr val="lt1"/>
+                </a:solidFill>
+                <a:latin typeface="+mn-lt"/>
+                <a:ea typeface="+mn-ea"/>
+                <a:cs typeface="+mn-cs"/>
+              </a:defRPr>
+            </a:lvl7pPr>
+            <a:lvl8pPr marL="3200400" algn="l" defTabSz="914400" rtl="0" eaLnBrk="1" latinLnBrk="0" hangingPunct="1">
+              <a:defRPr sz="1800" kern="1200">
+                <a:solidFill>
+                  <a:schemeClr val="lt1"/>
+                </a:solidFill>
+                <a:latin typeface="+mn-lt"/>
+                <a:ea typeface="+mn-ea"/>
+                <a:cs typeface="+mn-cs"/>
+              </a:defRPr>
+            </a:lvl8pPr>
+            <a:lvl9pPr marL="3657600" algn="l" defTabSz="914400" rtl="0" eaLnBrk="1" latinLnBrk="0" hangingPunct="1">
+              <a:defRPr sz="1800" kern="1200">
+                <a:solidFill>
+                  <a:schemeClr val="lt1"/>
+                </a:solidFill>
+                <a:latin typeface="+mn-lt"/>
+                <a:ea typeface="+mn-ea"/>
+                <a:cs typeface="+mn-cs"/>
+              </a:defRPr>
+            </a:lvl9pPr>
+          </a:lstStyle>
+          <a:p>
+            <a:pPr marL="0" marR="0" lvl="0" indent="0" algn="ctr" defTabSz="914400" rtl="0" eaLnBrk="1" fontAlgn="auto" latinLnBrk="0" hangingPunct="1">
+              <a:lnSpc>
+                <a:spcPct val="100000"/>
+              </a:lnSpc>
+              <a:spcBef>
+                <a:spcPts val="0"/>
+              </a:spcBef>
+              <a:spcAft>
+                <a:spcPts val="0"/>
+              </a:spcAft>
+              <a:buClrTx/>
+              <a:buSzTx/>
+              <a:buFontTx/>
+              <a:buNone/>
+              <a:tabLst/>
+              <a:defRPr/>
+            </a:pPr>
+            <a:endParaRPr kumimoji="0" lang="fr-FR" sz="1800" b="0" i="0" u="none" strike="noStrike" kern="1200" cap="none" spc="0" normalizeH="0" baseline="0" noProof="0">
+              <a:ln>
+                <a:noFill/>
+              </a:ln>
+              <a:solidFill>
+                <a:srgbClr val="008B6C"/>
+              </a:solidFill>
+              <a:effectLst/>
+              <a:uLnTx/>
+              <a:uFillTx/>
+              <a:latin typeface="Calibri" panose="020F0502020204030204"/>
+              <a:ea typeface="+mn-ea"/>
+              <a:cs typeface="+mn-cs"/>
+            </a:endParaRPr>
+          </a:p>
+        </p:txBody>
+      </p:sp>
+      <p:sp>
+        <p:nvSpPr>
+          <p:cNvPr id="7" name="Rectangle 6">
+            <a:extLst>
+              <a:ext uri="{FF2B5EF4-FFF2-40B4-BE49-F238E27FC236}">
+                <a16:creationId xmlns:a16="http://schemas.microsoft.com/office/drawing/2014/main" id="{9F668D4F-D726-4A2E-9D0E-4E21281A16CF}"/>
+              </a:ext>
+            </a:extLst>
+          </p:cNvPr>
+          <p:cNvSpPr/>
+          <p:nvPr/>
+        </p:nvSpPr>
+        <p:spPr>
+          <a:xfrm>
+            <a:off x="821317" y="215137"/>
+            <a:ext cx="9959841" cy="586786"/>
+          </a:xfrm>
+          <a:prstGeom prst="rect">
+            <a:avLst/>
+          </a:prstGeom>
+          <a:noFill/>
+          <a:ln cmpd="sng">
+            <a:solidFill>
+              <a:schemeClr val="accent2">
+                <a:lumMod val="75000"/>
+              </a:schemeClr>
+            </a:solidFill>
+            <a:prstDash val="sysDot"/>
+          </a:ln>
+        </p:spPr>
+        <p:style>
+          <a:lnRef idx="2">
+            <a:schemeClr val="accent1">
+              <a:shade val="50000"/>
+            </a:schemeClr>
+          </a:lnRef>
+          <a:fillRef idx="1">
+            <a:schemeClr val="accent1"/>
+          </a:fillRef>
+          <a:effectRef idx="0">
+            <a:schemeClr val="accent1"/>
+          </a:effectRef>
+          <a:fontRef idx="minor">
+            <a:schemeClr val="lt1"/>
+          </a:fontRef>
+        </p:style>
+        <p:txBody>
+          <a:bodyPr rtlCol="0" anchor="ctr"/>
+          <a:lstStyle>
+            <a:defPPr>
+              <a:defRPr lang="fr-FR"/>
+            </a:defPPr>
+            <a:lvl1pPr marL="0" algn="l" defTabSz="914400" rtl="0" eaLnBrk="1" latinLnBrk="0" hangingPunct="1">
+              <a:defRPr sz="1800" kern="1200">
+                <a:solidFill>
+                  <a:schemeClr val="lt1"/>
+                </a:solidFill>
+                <a:latin typeface="+mn-lt"/>
+                <a:ea typeface="+mn-ea"/>
+                <a:cs typeface="+mn-cs"/>
+              </a:defRPr>
+            </a:lvl1pPr>
+            <a:lvl2pPr marL="457200" algn="l" defTabSz="914400" rtl="0" eaLnBrk="1" latinLnBrk="0" hangingPunct="1">
+              <a:defRPr sz="1800" kern="1200">
+                <a:solidFill>
+                  <a:schemeClr val="lt1"/>
+                </a:solidFill>
+                <a:latin typeface="+mn-lt"/>
+                <a:ea typeface="+mn-ea"/>
+                <a:cs typeface="+mn-cs"/>
+              </a:defRPr>
+            </a:lvl2pPr>
+            <a:lvl3pPr marL="914400" algn="l" defTabSz="914400" rtl="0" eaLnBrk="1" latinLnBrk="0" hangingPunct="1">
+              <a:defRPr sz="1800" kern="1200">
+                <a:solidFill>
+                  <a:schemeClr val="lt1"/>
+                </a:solidFill>
+                <a:latin typeface="+mn-lt"/>
+                <a:ea typeface="+mn-ea"/>
+                <a:cs typeface="+mn-cs"/>
+              </a:defRPr>
+            </a:lvl3pPr>
+            <a:lvl4pPr marL="1371600" algn="l" defTabSz="914400" rtl="0" eaLnBrk="1" latinLnBrk="0" hangingPunct="1">
+              <a:defRPr sz="1800" kern="1200">
+                <a:solidFill>
+                  <a:schemeClr val="lt1"/>
+                </a:solidFill>
+                <a:latin typeface="+mn-lt"/>
+                <a:ea typeface="+mn-ea"/>
+                <a:cs typeface="+mn-cs"/>
+              </a:defRPr>
+            </a:lvl4pPr>
+            <a:lvl5pPr marL="1828800" algn="l" defTabSz="914400" rtl="0" eaLnBrk="1" latinLnBrk="0" hangingPunct="1">
+              <a:defRPr sz="1800" kern="1200">
+                <a:solidFill>
+                  <a:schemeClr val="lt1"/>
+                </a:solidFill>
+                <a:latin typeface="+mn-lt"/>
+                <a:ea typeface="+mn-ea"/>
+                <a:cs typeface="+mn-cs"/>
+              </a:defRPr>
+            </a:lvl5pPr>
+            <a:lvl6pPr marL="2286000" algn="l" defTabSz="914400" rtl="0" eaLnBrk="1" latinLnBrk="0" hangingPunct="1">
+              <a:defRPr sz="1800" kern="1200">
+                <a:solidFill>
+                  <a:schemeClr val="lt1"/>
+                </a:solidFill>
+                <a:latin typeface="+mn-lt"/>
+                <a:ea typeface="+mn-ea"/>
+                <a:cs typeface="+mn-cs"/>
+              </a:defRPr>
+            </a:lvl6pPr>
+            <a:lvl7pPr marL="2743200" algn="l" defTabSz="914400" rtl="0" eaLnBrk="1" latinLnBrk="0" hangingPunct="1">
+              <a:defRPr sz="1800" kern="1200">
+                <a:solidFill>
+                  <a:schemeClr val="lt1"/>
+                </a:solidFill>
+                <a:latin typeface="+mn-lt"/>
+                <a:ea typeface="+mn-ea"/>
+                <a:cs typeface="+mn-cs"/>
+              </a:defRPr>
+            </a:lvl7pPr>
+            <a:lvl8pPr marL="3200400" algn="l" defTabSz="914400" rtl="0" eaLnBrk="1" latinLnBrk="0" hangingPunct="1">
+              <a:defRPr sz="1800" kern="1200">
+                <a:solidFill>
+                  <a:schemeClr val="lt1"/>
+                </a:solidFill>
+                <a:latin typeface="+mn-lt"/>
+                <a:ea typeface="+mn-ea"/>
+                <a:cs typeface="+mn-cs"/>
+              </a:defRPr>
+            </a:lvl8pPr>
+            <a:lvl9pPr marL="3657600" algn="l" defTabSz="914400" rtl="0" eaLnBrk="1" latinLnBrk="0" hangingPunct="1">
+              <a:defRPr sz="1800" kern="1200">
+                <a:solidFill>
+                  <a:schemeClr val="lt1"/>
+                </a:solidFill>
+                <a:latin typeface="+mn-lt"/>
+                <a:ea typeface="+mn-ea"/>
+                <a:cs typeface="+mn-cs"/>
+              </a:defRPr>
+            </a:lvl9pPr>
+          </a:lstStyle>
+          <a:p>
+            <a:pPr marL="0" marR="0" lvl="0" indent="0" algn="ctr" defTabSz="914400" rtl="0" eaLnBrk="1" fontAlgn="auto" latinLnBrk="0" hangingPunct="1">
+              <a:lnSpc>
+                <a:spcPct val="100000"/>
+              </a:lnSpc>
+              <a:spcBef>
+                <a:spcPts val="0"/>
+              </a:spcBef>
+              <a:spcAft>
+                <a:spcPts val="0"/>
+              </a:spcAft>
+              <a:buClrTx/>
+              <a:buSzTx/>
+              <a:buFontTx/>
+              <a:buNone/>
+              <a:tabLst/>
+              <a:defRPr/>
+            </a:pPr>
+            <a:endParaRPr kumimoji="0" lang="fr-FR" sz="1800" b="0" i="0" u="none" strike="noStrike" kern="1200" cap="none" spc="0" normalizeH="0" baseline="0" noProof="0">
+              <a:ln>
+                <a:noFill/>
+              </a:ln>
+              <a:solidFill>
+                <a:srgbClr val="008B6C"/>
+              </a:solidFill>
+              <a:effectLst/>
+              <a:uLnTx/>
+              <a:uFillTx/>
+              <a:latin typeface="Calibri" panose="020F0502020204030204"/>
+              <a:ea typeface="+mn-ea"/>
+              <a:cs typeface="+mn-cs"/>
+            </a:endParaRPr>
+          </a:p>
+        </p:txBody>
+      </p:sp>
+      <p:sp>
+        <p:nvSpPr>
+          <p:cNvPr id="8" name="ZoneTexte 7">
+            <a:extLst>
+              <a:ext uri="{FF2B5EF4-FFF2-40B4-BE49-F238E27FC236}">
+                <a16:creationId xmlns:a16="http://schemas.microsoft.com/office/drawing/2014/main" id="{4A3D7463-DE59-4936-903B-9D27B4320E51}"/>
+              </a:ext>
+            </a:extLst>
+          </p:cNvPr>
+          <p:cNvSpPr txBox="1"/>
+          <p:nvPr/>
+        </p:nvSpPr>
+        <p:spPr>
+          <a:xfrm>
+            <a:off x="963679" y="292937"/>
+            <a:ext cx="9718922" cy="400110"/>
+          </a:xfrm>
+          <a:prstGeom prst="rect">
+            <a:avLst/>
+          </a:prstGeom>
+          <a:noFill/>
+        </p:spPr>
+        <p:txBody>
+          <a:bodyPr wrap="square" rtlCol="0">
+            <a:spAutoFit/>
+          </a:bodyPr>
+          <a:lstStyle/>
+          <a:p>
+            <a:pPr algn="r"/>
+            <a:r>
+              <a:rPr lang="en-CA" sz="2000" b="1" dirty="0">
+                <a:solidFill>
+                  <a:schemeClr val="accent2">
+                    <a:lumMod val="75000"/>
+                  </a:schemeClr>
+                </a:solidFill>
+              </a:rPr>
+              <a:t>Splatting</a:t>
+            </a:r>
+            <a:endParaRPr lang="fr-FR" sz="2000" b="1" dirty="0">
+              <a:solidFill>
+                <a:schemeClr val="accent2">
+                  <a:lumMod val="75000"/>
+                </a:schemeClr>
+              </a:solidFill>
+            </a:endParaRPr>
+          </a:p>
+        </p:txBody>
+      </p:sp>
+      <p:sp>
+        <p:nvSpPr>
+          <p:cNvPr id="2" name="ZoneTexte 1">
+            <a:extLst>
+              <a:ext uri="{FF2B5EF4-FFF2-40B4-BE49-F238E27FC236}">
+                <a16:creationId xmlns:a16="http://schemas.microsoft.com/office/drawing/2014/main" id="{0AAE51EC-A434-4BF2-9A5A-BD9C12214D3C}"/>
+              </a:ext>
+            </a:extLst>
+          </p:cNvPr>
+          <p:cNvSpPr txBox="1"/>
+          <p:nvPr/>
+        </p:nvSpPr>
+        <p:spPr>
+          <a:xfrm>
+            <a:off x="902898" y="1069675"/>
+            <a:ext cx="9779703" cy="5078313"/>
+          </a:xfrm>
+          <a:prstGeom prst="rect">
+            <a:avLst/>
+          </a:prstGeom>
+          <a:noFill/>
+        </p:spPr>
+        <p:txBody>
+          <a:bodyPr wrap="square" rtlCol="0">
+            <a:spAutoFit/>
+          </a:bodyPr>
+          <a:lstStyle/>
+          <a:p>
+            <a:r>
+              <a:rPr lang="fr-FR" dirty="0"/>
+              <a:t>Parfois il est nécessaire de construire dynamiquement une liste de paramètres pour une fonction. </a:t>
+            </a:r>
+          </a:p>
+          <a:p>
+            <a:endParaRPr lang="fr-FR" dirty="0"/>
+          </a:p>
+          <a:p>
+            <a:r>
+              <a:rPr lang="fr-FR" dirty="0"/>
+              <a:t>D’autres fois le nombre de paramètres rend illisible la ligne de commande</a:t>
+            </a:r>
+          </a:p>
+          <a:p>
+            <a:endParaRPr lang="fr-FR" dirty="0"/>
+          </a:p>
+          <a:p>
+            <a:r>
+              <a:rPr lang="fr-FR" dirty="0"/>
+              <a:t>Le </a:t>
+            </a:r>
+            <a:r>
+              <a:rPr lang="fr-FR" dirty="0" err="1"/>
+              <a:t>splatting</a:t>
+            </a:r>
+            <a:r>
+              <a:rPr lang="fr-FR" dirty="0"/>
+              <a:t> permet  de contourner ce problème. </a:t>
+            </a:r>
+          </a:p>
+          <a:p>
+            <a:endParaRPr lang="fr-FR" dirty="0"/>
+          </a:p>
+          <a:p>
+            <a:r>
+              <a:rPr lang="fr-FR" dirty="0"/>
+              <a:t>Cela consiste a créer un </a:t>
+            </a:r>
+            <a:r>
+              <a:rPr lang="fr-FR" dirty="0" err="1"/>
+              <a:t>Hastable</a:t>
+            </a:r>
+            <a:r>
+              <a:rPr lang="fr-FR" dirty="0"/>
+              <a:t> avec les nom des paramètres et les arguments</a:t>
+            </a:r>
+          </a:p>
+          <a:p>
+            <a:endParaRPr lang="en-GB" dirty="0">
+              <a:solidFill>
+                <a:srgbClr val="D4D4D4"/>
+              </a:solidFill>
+              <a:latin typeface="Consolas" panose="020B0609020204030204" pitchFamily="49" charset="0"/>
+            </a:endParaRPr>
+          </a:p>
+          <a:p>
+            <a:r>
+              <a:rPr lang="nb-NO" dirty="0">
+                <a:solidFill>
+                  <a:srgbClr val="9CDCFE"/>
+                </a:solidFill>
+                <a:latin typeface="Consolas" panose="020B0609020204030204" pitchFamily="49" charset="0"/>
+              </a:rPr>
+              <a:t>$Splatte</a:t>
+            </a:r>
+            <a:r>
+              <a:rPr lang="nb-NO" dirty="0">
+                <a:solidFill>
+                  <a:srgbClr val="D4D4D4"/>
+                </a:solidFill>
+                <a:latin typeface="Consolas" panose="020B0609020204030204" pitchFamily="49" charset="0"/>
+              </a:rPr>
+              <a:t> = </a:t>
+            </a:r>
+            <a:r>
+              <a:rPr lang="nb-NO" dirty="0">
+                <a:solidFill>
+                  <a:srgbClr val="569CD6"/>
+                </a:solidFill>
+                <a:latin typeface="Consolas" panose="020B0609020204030204" pitchFamily="49" charset="0"/>
+              </a:rPr>
+              <a:t>@</a:t>
+            </a:r>
+            <a:r>
+              <a:rPr lang="nb-NO" dirty="0">
+                <a:solidFill>
+                  <a:srgbClr val="D4D4D4"/>
+                </a:solidFill>
+                <a:latin typeface="Consolas" panose="020B0609020204030204" pitchFamily="49" charset="0"/>
+              </a:rPr>
+              <a:t>{</a:t>
+            </a:r>
+          </a:p>
+          <a:p>
+            <a:pPr lvl="1"/>
+            <a:r>
+              <a:rPr lang="nb-NO" dirty="0">
+                <a:solidFill>
+                  <a:srgbClr val="9CDCFE"/>
+                </a:solidFill>
+                <a:latin typeface="Consolas" panose="020B0609020204030204" pitchFamily="49" charset="0"/>
+              </a:rPr>
+              <a:t>Path</a:t>
+            </a:r>
+            <a:r>
+              <a:rPr lang="nb-NO" dirty="0">
+                <a:solidFill>
+                  <a:srgbClr val="D4D4D4"/>
+                </a:solidFill>
+                <a:latin typeface="Consolas" panose="020B0609020204030204" pitchFamily="49" charset="0"/>
+              </a:rPr>
+              <a:t> = </a:t>
+            </a:r>
+            <a:r>
+              <a:rPr lang="nb-NO" dirty="0">
+                <a:solidFill>
+                  <a:srgbClr val="CE9178"/>
+                </a:solidFill>
+                <a:latin typeface="Consolas" panose="020B0609020204030204" pitchFamily="49" charset="0"/>
+              </a:rPr>
+              <a:t>'C:\Temp'</a:t>
+            </a:r>
+            <a:endParaRPr lang="nb-NO" dirty="0">
+              <a:solidFill>
+                <a:srgbClr val="D4D4D4"/>
+              </a:solidFill>
+              <a:latin typeface="Consolas" panose="020B0609020204030204" pitchFamily="49" charset="0"/>
+            </a:endParaRPr>
+          </a:p>
+          <a:p>
+            <a:pPr lvl="1"/>
+            <a:r>
+              <a:rPr lang="nb-NO" dirty="0">
+                <a:solidFill>
+                  <a:srgbClr val="9CDCFE"/>
+                </a:solidFill>
+                <a:latin typeface="Consolas" panose="020B0609020204030204" pitchFamily="49" charset="0"/>
+              </a:rPr>
+              <a:t>Filter</a:t>
+            </a:r>
+            <a:r>
+              <a:rPr lang="nb-NO" dirty="0">
+                <a:solidFill>
+                  <a:srgbClr val="D4D4D4"/>
+                </a:solidFill>
+                <a:latin typeface="Consolas" panose="020B0609020204030204" pitchFamily="49" charset="0"/>
+              </a:rPr>
+              <a:t> = </a:t>
+            </a:r>
+            <a:r>
+              <a:rPr lang="nb-NO" dirty="0">
+                <a:solidFill>
+                  <a:srgbClr val="CE9178"/>
+                </a:solidFill>
+                <a:latin typeface="Consolas" panose="020B0609020204030204" pitchFamily="49" charset="0"/>
+              </a:rPr>
+              <a:t>'*.ps1'</a:t>
+            </a:r>
+            <a:endParaRPr lang="nb-NO" dirty="0">
+              <a:solidFill>
+                <a:srgbClr val="D4D4D4"/>
+              </a:solidFill>
+              <a:latin typeface="Consolas" panose="020B0609020204030204" pitchFamily="49" charset="0"/>
+            </a:endParaRPr>
+          </a:p>
+          <a:p>
+            <a:r>
+              <a:rPr lang="nb-NO" dirty="0">
+                <a:solidFill>
+                  <a:srgbClr val="D4D4D4"/>
+                </a:solidFill>
+                <a:latin typeface="Consolas" panose="020B0609020204030204" pitchFamily="49" charset="0"/>
+              </a:rPr>
+              <a:t>}</a:t>
+            </a:r>
+          </a:p>
+          <a:p>
+            <a:br>
+              <a:rPr lang="en-GB" dirty="0">
+                <a:solidFill>
+                  <a:srgbClr val="D4D4D4"/>
+                </a:solidFill>
+                <a:latin typeface="Consolas" panose="020B0609020204030204" pitchFamily="49" charset="0"/>
+              </a:rPr>
+            </a:br>
+            <a:r>
+              <a:rPr lang="fr-FR" dirty="0"/>
+              <a:t>Et d’appeler le </a:t>
+            </a:r>
+            <a:r>
+              <a:rPr lang="fr-FR" dirty="0" err="1"/>
+              <a:t>cmdlet</a:t>
+            </a:r>
+            <a:r>
+              <a:rPr lang="fr-FR" dirty="0"/>
+              <a:t> avec @</a:t>
+            </a:r>
+          </a:p>
+          <a:p>
+            <a:endParaRPr lang="fr-FR" dirty="0"/>
+          </a:p>
+          <a:p>
+            <a:r>
+              <a:rPr lang="fr-FR" dirty="0">
+                <a:solidFill>
+                  <a:srgbClr val="DCDCAA"/>
+                </a:solidFill>
+                <a:latin typeface="Consolas" panose="020B0609020204030204" pitchFamily="49" charset="0"/>
+              </a:rPr>
+              <a:t>Get-</a:t>
+            </a:r>
+            <a:r>
+              <a:rPr lang="fr-FR" dirty="0" err="1">
+                <a:solidFill>
+                  <a:srgbClr val="DCDCAA"/>
+                </a:solidFill>
+                <a:latin typeface="Consolas" panose="020B0609020204030204" pitchFamily="49" charset="0"/>
+              </a:rPr>
+              <a:t>ChildItem</a:t>
+            </a:r>
+            <a:r>
+              <a:rPr lang="fr-FR" dirty="0">
+                <a:solidFill>
+                  <a:srgbClr val="D4D4D4"/>
+                </a:solidFill>
+                <a:latin typeface="Consolas" panose="020B0609020204030204" pitchFamily="49" charset="0"/>
+              </a:rPr>
+              <a:t> </a:t>
+            </a:r>
+            <a:r>
+              <a:rPr lang="fr-FR" dirty="0">
+                <a:solidFill>
+                  <a:srgbClr val="9CDCFE"/>
+                </a:solidFill>
+                <a:latin typeface="Consolas" panose="020B0609020204030204" pitchFamily="49" charset="0"/>
+              </a:rPr>
+              <a:t>@</a:t>
+            </a:r>
+            <a:r>
+              <a:rPr lang="fr-FR" dirty="0" err="1">
+                <a:solidFill>
+                  <a:srgbClr val="9CDCFE"/>
+                </a:solidFill>
+                <a:latin typeface="Consolas" panose="020B0609020204030204" pitchFamily="49" charset="0"/>
+              </a:rPr>
+              <a:t>ParamSplat</a:t>
+            </a:r>
+            <a:endParaRPr lang="fr-FR" dirty="0">
+              <a:solidFill>
+                <a:srgbClr val="D4D4D4"/>
+              </a:solidFill>
+              <a:latin typeface="Consolas" panose="020B0609020204030204" pitchFamily="49" charset="0"/>
+            </a:endParaRPr>
+          </a:p>
+          <a:p>
+            <a:endParaRPr lang="fr-FR" dirty="0"/>
+          </a:p>
+        </p:txBody>
+      </p:sp>
+    </p:spTree>
+    <p:extLst>
+      <p:ext uri="{BB962C8B-B14F-4D97-AF65-F5344CB8AC3E}">
+        <p14:creationId xmlns:p14="http://schemas.microsoft.com/office/powerpoint/2010/main" val="1235019183"/>
+      </p:ext>
+    </p:extLst>
+  </p:cSld>
+  <p:clrMapOvr>
+    <a:masterClrMapping/>
+  </p:clrMapOvr>
+</p:sld>
+</file>
+
+<file path=ppt/slides/slide15.xml><?xml version="1.0" encoding="utf-8"?>
+<p:sld xmlns:a="http://schemas.openxmlformats.org/drawingml/2006/main" xmlns:r="http://schemas.openxmlformats.org/officeDocument/2006/relationships" xmlns:p="http://schemas.openxmlformats.org/presentationml/2006/main">
+  <p:cSld>
+    <p:spTree>
+      <p:nvGrpSpPr>
+        <p:cNvPr id="1" name=""/>
+        <p:cNvGrpSpPr/>
+        <p:nvPr/>
+      </p:nvGrpSpPr>
+      <p:grpSpPr>
+        <a:xfrm>
+          <a:off x="0" y="0"/>
+          <a:ext cx="0" cy="0"/>
+          <a:chOff x="0" y="0"/>
+          <a:chExt cx="0" cy="0"/>
+        </a:xfrm>
+      </p:grpSpPr>
+      <p:sp>
+        <p:nvSpPr>
           <p:cNvPr id="2" name="Title 1"/>
           <p:cNvSpPr>
             <a:spLocks noGrp="1"/>
@@ -7344,7 +9280,7 @@
 </p:sld>
 </file>
 
-<file path=ppt/slides/slide15.xml><?xml version="1.0" encoding="utf-8"?>
+<file path=ppt/slides/slide16.xml><?xml version="1.0" encoding="utf-8"?>
 <p:sld xmlns:a="http://schemas.openxmlformats.org/drawingml/2006/main" xmlns:r="http://schemas.openxmlformats.org/officeDocument/2006/relationships" xmlns:p="http://schemas.openxmlformats.org/presentationml/2006/main">
   <p:cSld>
     <p:spTree>
